--- a/ScrumArtifacts/GanttChart.pptx
+++ b/ScrumArtifacts/GanttChart.pptx
@@ -109,7 +109,7 @@
   </p:defaultTextStyle>
   <p:extLst>
     <p:ext uri="{EFAFB233-063F-42B5-8137-9DF3F51BA10A}">
-      <p15:sldGuideLst xmlns:p15="http://schemas.microsoft.com/office/powerpoint/2012/main" xmlns=""/>
+      <p15:sldGuideLst xmlns="" xmlns:p15="http://schemas.microsoft.com/office/powerpoint/2012/main"/>
     </p:ext>
   </p:extLst>
 </p:presentation>
@@ -1055,7 +1055,7 @@
                 </a:solidFill>
               </a:rPr>
               <a:pPr/>
-              <a:t>10/31/16</a:t>
+              <a:t>11/1/16</a:t>
             </a:fld>
             <a:endParaRPr lang="en-US" dirty="0">
               <a:solidFill>
@@ -1267,7 +1267,7 @@
                 </a:solidFill>
               </a:rPr>
               <a:pPr/>
-              <a:t>10/31/16</a:t>
+              <a:t>11/1/16</a:t>
             </a:fld>
             <a:endParaRPr lang="en-US" dirty="0">
               <a:solidFill>
@@ -1484,7 +1484,7 @@
           <a:p>
             <a:fld id="{C5164158-0CE9-4349-B3F5-2F2E57F0D0CB}" type="datetimeFigureOut">
               <a:rPr lang="en-US" smtClean="0"/>
-              <a:t>10/31/16</a:t>
+              <a:t>11/1/16</a:t>
             </a:fld>
             <a:endParaRPr lang="en-US"/>
           </a:p>
@@ -1654,7 +1654,7 @@
           <a:p>
             <a:fld id="{C5164158-0CE9-4349-B3F5-2F2E57F0D0CB}" type="datetimeFigureOut">
               <a:rPr lang="en-US" smtClean="0"/>
-              <a:t>10/31/16</a:t>
+              <a:t>11/1/16</a:t>
             </a:fld>
             <a:endParaRPr lang="en-US"/>
           </a:p>
@@ -1900,7 +1900,7 @@
           <a:p>
             <a:fld id="{C5164158-0CE9-4349-B3F5-2F2E57F0D0CB}" type="datetimeFigureOut">
               <a:rPr lang="en-US" smtClean="0"/>
-              <a:t>10/31/16</a:t>
+              <a:t>11/1/16</a:t>
             </a:fld>
             <a:endParaRPr lang="en-US"/>
           </a:p>
@@ -2132,7 +2132,7 @@
           <a:p>
             <a:fld id="{C5164158-0CE9-4349-B3F5-2F2E57F0D0CB}" type="datetimeFigureOut">
               <a:rPr lang="en-US" smtClean="0"/>
-              <a:t>10/31/16</a:t>
+              <a:t>11/1/16</a:t>
             </a:fld>
             <a:endParaRPr lang="en-US"/>
           </a:p>
@@ -2499,7 +2499,7 @@
           <a:p>
             <a:fld id="{C5164158-0CE9-4349-B3F5-2F2E57F0D0CB}" type="datetimeFigureOut">
               <a:rPr lang="en-US" smtClean="0"/>
-              <a:t>10/31/16</a:t>
+              <a:t>11/1/16</a:t>
             </a:fld>
             <a:endParaRPr lang="en-US"/>
           </a:p>
@@ -2617,7 +2617,7 @@
           <a:p>
             <a:fld id="{C5164158-0CE9-4349-B3F5-2F2E57F0D0CB}" type="datetimeFigureOut">
               <a:rPr lang="en-US" smtClean="0"/>
-              <a:t>10/31/16</a:t>
+              <a:t>11/1/16</a:t>
             </a:fld>
             <a:endParaRPr lang="en-US"/>
           </a:p>
@@ -2712,7 +2712,7 @@
           <a:p>
             <a:fld id="{C5164158-0CE9-4349-B3F5-2F2E57F0D0CB}" type="datetimeFigureOut">
               <a:rPr lang="en-US" smtClean="0"/>
-              <a:t>10/31/16</a:t>
+              <a:t>11/1/16</a:t>
             </a:fld>
             <a:endParaRPr lang="en-US"/>
           </a:p>
@@ -2989,7 +2989,7 @@
           <a:p>
             <a:fld id="{C5164158-0CE9-4349-B3F5-2F2E57F0D0CB}" type="datetimeFigureOut">
               <a:rPr lang="en-US" smtClean="0"/>
-              <a:t>10/31/16</a:t>
+              <a:t>11/1/16</a:t>
             </a:fld>
             <a:endParaRPr lang="en-US"/>
           </a:p>
@@ -3166,7 +3166,7 @@
                 </a:solidFill>
               </a:rPr>
               <a:pPr/>
-              <a:t>10/31/16</a:t>
+              <a:t>11/1/16</a:t>
             </a:fld>
             <a:endParaRPr lang="en-US" dirty="0">
               <a:solidFill>
@@ -3448,7 +3448,7 @@
           <a:p>
             <a:fld id="{C5164158-0CE9-4349-B3F5-2F2E57F0D0CB}" type="datetimeFigureOut">
               <a:rPr lang="en-US" smtClean="0"/>
-              <a:t>10/31/16</a:t>
+              <a:t>11/1/16</a:t>
             </a:fld>
             <a:endParaRPr lang="en-US"/>
           </a:p>
@@ -3618,7 +3618,7 @@
           <a:p>
             <a:fld id="{C5164158-0CE9-4349-B3F5-2F2E57F0D0CB}" type="datetimeFigureOut">
               <a:rPr lang="en-US" smtClean="0"/>
-              <a:t>10/31/16</a:t>
+              <a:t>11/1/16</a:t>
             </a:fld>
             <a:endParaRPr lang="en-US"/>
           </a:p>
@@ -3798,7 +3798,7 @@
           <a:p>
             <a:fld id="{C5164158-0CE9-4349-B3F5-2F2E57F0D0CB}" type="datetimeFigureOut">
               <a:rPr lang="en-US" smtClean="0"/>
-              <a:t>10/31/16</a:t>
+              <a:t>11/1/16</a:t>
             </a:fld>
             <a:endParaRPr lang="en-US"/>
           </a:p>
@@ -4051,7 +4051,7 @@
                 </a:solidFill>
               </a:rPr>
               <a:pPr/>
-              <a:t>10/31/16</a:t>
+              <a:t>11/1/16</a:t>
             </a:fld>
             <a:endParaRPr lang="en-US" dirty="0">
               <a:solidFill>
@@ -4378,7 +4378,7 @@
                 </a:solidFill>
               </a:rPr>
               <a:pPr/>
-              <a:t>10/31/16</a:t>
+              <a:t>11/1/16</a:t>
             </a:fld>
             <a:endParaRPr lang="en-US" dirty="0">
               <a:solidFill>
@@ -4832,7 +4832,7 @@
                 </a:solidFill>
               </a:rPr>
               <a:pPr/>
-              <a:t>10/31/16</a:t>
+              <a:t>11/1/16</a:t>
             </a:fld>
             <a:endParaRPr lang="en-US" dirty="0">
               <a:solidFill>
@@ -4982,7 +4982,7 @@
                 </a:solidFill>
               </a:rPr>
               <a:pPr/>
-              <a:t>10/31/16</a:t>
+              <a:t>11/1/16</a:t>
             </a:fld>
             <a:endParaRPr lang="en-US" dirty="0">
               <a:solidFill>
@@ -5116,7 +5116,7 @@
                 </a:solidFill>
               </a:rPr>
               <a:pPr/>
-              <a:t>10/31/16</a:t>
+              <a:t>11/1/16</a:t>
             </a:fld>
             <a:endParaRPr lang="en-US" dirty="0">
               <a:solidFill>
@@ -5432,7 +5432,7 @@
                 </a:solidFill>
               </a:rPr>
               <a:pPr/>
-              <a:t>10/31/16</a:t>
+              <a:t>11/1/16</a:t>
             </a:fld>
             <a:endParaRPr lang="en-US" dirty="0">
               <a:solidFill>
@@ -5724,7 +5724,7 @@
                 </a:solidFill>
               </a:rPr>
               <a:pPr/>
-              <a:t>10/31/16</a:t>
+              <a:t>11/1/16</a:t>
             </a:fld>
             <a:endParaRPr lang="en-US" dirty="0">
               <a:solidFill>
@@ -5969,7 +5969,7 @@
                 </a:solidFill>
               </a:rPr>
               <a:pPr/>
-              <a:t>10/31/16</a:t>
+              <a:t>11/1/16</a:t>
             </a:fld>
             <a:endParaRPr lang="en-US" dirty="0">
               <a:solidFill>
@@ -6511,7 +6511,7 @@
           <a:p>
             <a:fld id="{C5164158-0CE9-4349-B3F5-2F2E57F0D0CB}" type="datetimeFigureOut">
               <a:rPr lang="en-US" smtClean="0"/>
-              <a:t>10/31/16</a:t>
+              <a:t>11/1/16</a:t>
             </a:fld>
             <a:endParaRPr lang="en-US"/>
           </a:p>
@@ -7031,7 +7031,9 @@
       <p:cxnSp>
         <p:nvCxnSpPr>
           <p:cNvPr id="46580" name="OTLSHAPE_T_3a4a23b568c54ea58c3d039b8ca1da1b_RightVerticalConnector1"/>
-          <p:cNvCxnSpPr/>
+          <p:cNvCxnSpPr>
+            <a:endCxn id="46658" idx="1"/>
+          </p:cNvCxnSpPr>
           <p:nvPr>
             <p:custDataLst>
               <p:tags r:id="rId3"/>
@@ -7040,8 +7042,8 @@
         </p:nvCxnSpPr>
         <p:spPr>
           <a:xfrm>
-            <a:off x="8362397" y="3744007"/>
-            <a:ext cx="0" cy="228600"/>
+            <a:off x="9738193" y="3730777"/>
+            <a:ext cx="180641" cy="13230"/>
           </a:xfrm>
           <a:prstGeom prst="line">
             <a:avLst/>
@@ -7073,7 +7075,7 @@
       </p:cxnSp>
       <p:cxnSp>
         <p:nvCxnSpPr>
-          <p:cNvPr id="46576" name="OTLSHAPE_T_d45e8f651eb34241b7613d55f188f72e_RightVerticalConnector2"/>
+          <p:cNvPr id="46575" name="OTLSHAPE_T_d45e8f651eb34241b7613d55f188f72e_RightVerticalConnector1"/>
           <p:cNvCxnSpPr/>
           <p:nvPr>
             <p:custDataLst>
@@ -7082,9 +7084,9 @@
           </p:nvPr>
         </p:nvCxnSpPr>
         <p:spPr>
-          <a:xfrm>
-            <a:off x="8204734" y="3845607"/>
-            <a:ext cx="0" cy="127000"/>
+          <a:xfrm flipH="1">
+            <a:off x="9736403" y="3149211"/>
+            <a:ext cx="2873" cy="594824"/>
           </a:xfrm>
           <a:prstGeom prst="line">
             <a:avLst/>
@@ -7116,7 +7118,7 @@
       </p:cxnSp>
       <p:cxnSp>
         <p:nvCxnSpPr>
-          <p:cNvPr id="46575" name="OTLSHAPE_T_d45e8f651eb34241b7613d55f188f72e_RightVerticalConnector1"/>
+          <p:cNvPr id="46568" name="OTLSHAPE_T_6a6e7149661c4d98ae22b9a84a20c0cd_RightVerticalConnector1"/>
           <p:cNvCxnSpPr/>
           <p:nvPr>
             <p:custDataLst>
@@ -7126,7 +7128,7 @@
         </p:nvCxnSpPr>
         <p:spPr>
           <a:xfrm>
-            <a:off x="8204734" y="3413807"/>
+            <a:off x="10044664" y="3176761"/>
             <a:ext cx="0" cy="228600"/>
           </a:xfrm>
           <a:prstGeom prst="line">
@@ -7159,7 +7161,7 @@
       </p:cxnSp>
       <p:cxnSp>
         <p:nvCxnSpPr>
-          <p:cNvPr id="46571" name="OTLSHAPE_T_dbc50318743f4d6ba995fb3e7b4187d7_RightVerticalConnector1"/>
+          <p:cNvPr id="46561" name="OTLSHAPE_T_a521783cf3084313af760cd9c2923e3c_RightVerticalConnector2"/>
           <p:cNvCxnSpPr/>
           <p:nvPr>
             <p:custDataLst>
@@ -7169,8 +7171,8 @@
         </p:nvCxnSpPr>
         <p:spPr>
           <a:xfrm>
-            <a:off x="6943435" y="3083607"/>
-            <a:ext cx="0" cy="228600"/>
+            <a:off x="5264774" y="2784028"/>
+            <a:ext cx="0" cy="158835"/>
           </a:xfrm>
           <a:prstGeom prst="line">
             <a:avLst/>
@@ -7202,7 +7204,7 @@
       </p:cxnSp>
       <p:cxnSp>
         <p:nvCxnSpPr>
-          <p:cNvPr id="46568" name="OTLSHAPE_T_6a6e7149661c4d98ae22b9a84a20c0cd_RightVerticalConnector1"/>
+          <p:cNvPr id="46556" name="OTLSHAPE_T_c3d685d5ae854fb185925e527e534f28_RightVerticalConnector1"/>
           <p:cNvCxnSpPr/>
           <p:nvPr>
             <p:custDataLst>
@@ -7211,9 +7213,9 @@
           </p:nvPr>
         </p:nvCxnSpPr>
         <p:spPr>
-          <a:xfrm>
-            <a:off x="6115708" y="2753407"/>
-            <a:ext cx="0" cy="228600"/>
+          <a:xfrm flipH="1">
+            <a:off x="4497795" y="2490446"/>
+            <a:ext cx="9186" cy="155515"/>
           </a:xfrm>
           <a:prstGeom prst="line">
             <a:avLst/>
@@ -7245,7 +7247,7 @@
       </p:cxnSp>
       <p:cxnSp>
         <p:nvCxnSpPr>
-          <p:cNvPr id="46565" name="OTLSHAPE_T_9cde6d5d307b4df7b1464248cab7fef6_RightVerticalConnector1"/>
+          <p:cNvPr id="46551" name="OTLSHAPE_T_eb954275c5b54be590bee3d17b0ce8a3_HorizontalConnector1"/>
           <p:cNvCxnSpPr/>
           <p:nvPr>
             <p:custDataLst>
@@ -7254,224 +7256,9 @@
           </p:nvPr>
         </p:nvCxnSpPr>
         <p:spPr>
-          <a:xfrm>
-            <a:off x="5721552" y="2423207"/>
-            <a:ext cx="0" cy="228600"/>
-          </a:xfrm>
-          <a:prstGeom prst="line">
-            <a:avLst/>
-          </a:prstGeom>
-          <a:ln w="9525" cap="flat" cmpd="sng" algn="ctr">
-            <a:solidFill>
-              <a:srgbClr val="D5D4D3"/>
-            </a:solidFill>
-            <a:prstDash val="solid"/>
-            <a:miter lim="800000"/>
-            <a:headEnd type="none" w="med" len="med"/>
-            <a:tailEnd type="none" w="med" len="med"/>
-          </a:ln>
-        </p:spPr>
-        <p:style>
-          <a:lnRef idx="1">
-            <a:schemeClr val="accent1"/>
-          </a:lnRef>
-          <a:fillRef idx="0">
-            <a:schemeClr val="accent1"/>
-          </a:fillRef>
-          <a:effectRef idx="0">
-            <a:schemeClr val="accent1"/>
-          </a:effectRef>
-          <a:fontRef idx="minor">
-            <a:schemeClr val="tx1"/>
-          </a:fontRef>
-        </p:style>
-      </p:cxnSp>
-      <p:cxnSp>
-        <p:nvCxnSpPr>
-          <p:cNvPr id="46561" name="OTLSHAPE_T_a521783cf3084313af760cd9c2923e3c_RightVerticalConnector2"/>
-          <p:cNvCxnSpPr/>
-          <p:nvPr>
-            <p:custDataLst>
-              <p:tags r:id="rId9"/>
-            </p:custDataLst>
-          </p:nvPr>
-        </p:nvCxnSpPr>
-        <p:spPr>
-          <a:xfrm>
-            <a:off x="4814994" y="2492972"/>
-            <a:ext cx="0" cy="158835"/>
-          </a:xfrm>
-          <a:prstGeom prst="line">
-            <a:avLst/>
-          </a:prstGeom>
-          <a:ln w="9525" cap="flat" cmpd="sng" algn="ctr">
-            <a:solidFill>
-              <a:srgbClr val="D5D4D3"/>
-            </a:solidFill>
-            <a:prstDash val="solid"/>
-            <a:miter lim="800000"/>
-            <a:headEnd type="none" w="med" len="med"/>
-            <a:tailEnd type="none" w="med" len="med"/>
-          </a:ln>
-        </p:spPr>
-        <p:style>
-          <a:lnRef idx="1">
-            <a:schemeClr val="accent1"/>
-          </a:lnRef>
-          <a:fillRef idx="0">
-            <a:schemeClr val="accent1"/>
-          </a:fillRef>
-          <a:effectRef idx="0">
-            <a:schemeClr val="accent1"/>
-          </a:effectRef>
-          <a:fontRef idx="minor">
-            <a:schemeClr val="tx1"/>
-          </a:fontRef>
-        </p:style>
-      </p:cxnSp>
-      <p:cxnSp>
-        <p:nvCxnSpPr>
-          <p:cNvPr id="46560" name="OTLSHAPE_T_a521783cf3084313af760cd9c2923e3c_RightVerticalConnector1"/>
-          <p:cNvCxnSpPr/>
-          <p:nvPr>
-            <p:custDataLst>
-              <p:tags r:id="rId10"/>
-            </p:custDataLst>
-          </p:nvPr>
-        </p:nvCxnSpPr>
-        <p:spPr>
-          <a:xfrm>
-            <a:off x="4814994" y="2093007"/>
-            <a:ext cx="0" cy="228600"/>
-          </a:xfrm>
-          <a:prstGeom prst="line">
-            <a:avLst/>
-          </a:prstGeom>
-          <a:ln w="9525" cap="flat" cmpd="sng" algn="ctr">
-            <a:solidFill>
-              <a:srgbClr val="D5D4D3"/>
-            </a:solidFill>
-            <a:prstDash val="solid"/>
-            <a:miter lim="800000"/>
-            <a:headEnd type="none" w="med" len="med"/>
-            <a:tailEnd type="none" w="med" len="med"/>
-          </a:ln>
-        </p:spPr>
-        <p:style>
-          <a:lnRef idx="1">
-            <a:schemeClr val="accent1"/>
-          </a:lnRef>
-          <a:fillRef idx="0">
-            <a:schemeClr val="accent1"/>
-          </a:fillRef>
-          <a:effectRef idx="0">
-            <a:schemeClr val="accent1"/>
-          </a:effectRef>
-          <a:fontRef idx="minor">
-            <a:schemeClr val="tx1"/>
-          </a:fontRef>
-        </p:style>
-      </p:cxnSp>
-      <p:cxnSp>
-        <p:nvCxnSpPr>
-          <p:cNvPr id="46556" name="OTLSHAPE_T_c3d685d5ae854fb185925e527e534f28_RightVerticalConnector1"/>
-          <p:cNvCxnSpPr/>
-          <p:nvPr>
-            <p:custDataLst>
-              <p:tags r:id="rId11"/>
-            </p:custDataLst>
-          </p:nvPr>
-        </p:nvCxnSpPr>
-        <p:spPr>
-          <a:xfrm>
-            <a:off x="3435448" y="1762807"/>
-            <a:ext cx="0" cy="228600"/>
-          </a:xfrm>
-          <a:prstGeom prst="line">
-            <a:avLst/>
-          </a:prstGeom>
-          <a:ln w="9525" cap="flat" cmpd="sng" algn="ctr">
-            <a:solidFill>
-              <a:srgbClr val="D5D4D3"/>
-            </a:solidFill>
-            <a:prstDash val="solid"/>
-            <a:miter lim="800000"/>
-            <a:headEnd type="none" w="med" len="med"/>
-            <a:tailEnd type="none" w="med" len="med"/>
-          </a:ln>
-        </p:spPr>
-        <p:style>
-          <a:lnRef idx="1">
-            <a:schemeClr val="accent1"/>
-          </a:lnRef>
-          <a:fillRef idx="0">
-            <a:schemeClr val="accent1"/>
-          </a:fillRef>
-          <a:effectRef idx="0">
-            <a:schemeClr val="accent1"/>
-          </a:effectRef>
-          <a:fontRef idx="minor">
-            <a:schemeClr val="tx1"/>
-          </a:fontRef>
-        </p:style>
-      </p:cxnSp>
-      <p:cxnSp>
-        <p:nvCxnSpPr>
-          <p:cNvPr id="46553" name="OTLSHAPE_T_f3c770d8a6a24238a57b373ef9984550_RightVerticalConnector1"/>
-          <p:cNvCxnSpPr/>
-          <p:nvPr>
-            <p:custDataLst>
-              <p:tags r:id="rId12"/>
-            </p:custDataLst>
-          </p:nvPr>
-        </p:nvCxnSpPr>
-        <p:spPr>
-          <a:xfrm>
-            <a:off x="2725967" y="1432607"/>
-            <a:ext cx="0" cy="228600"/>
-          </a:xfrm>
-          <a:prstGeom prst="line">
-            <a:avLst/>
-          </a:prstGeom>
-          <a:ln w="9525" cap="flat" cmpd="sng" algn="ctr">
-            <a:solidFill>
-              <a:srgbClr val="D5D4D3"/>
-            </a:solidFill>
-            <a:prstDash val="solid"/>
-            <a:miter lim="800000"/>
-            <a:headEnd type="none" w="med" len="med"/>
-            <a:tailEnd type="none" w="med" len="med"/>
-          </a:ln>
-        </p:spPr>
-        <p:style>
-          <a:lnRef idx="1">
-            <a:schemeClr val="accent1"/>
-          </a:lnRef>
-          <a:fillRef idx="0">
-            <a:schemeClr val="accent1"/>
-          </a:fillRef>
-          <a:effectRef idx="0">
-            <a:schemeClr val="accent1"/>
-          </a:effectRef>
-          <a:fontRef idx="minor">
-            <a:schemeClr val="tx1"/>
-          </a:fontRef>
-        </p:style>
-      </p:cxnSp>
-      <p:cxnSp>
-        <p:nvCxnSpPr>
-          <p:cNvPr id="46551" name="OTLSHAPE_T_eb954275c5b54be590bee3d17b0ce8a3_HorizontalConnector1"/>
-          <p:cNvCxnSpPr/>
-          <p:nvPr>
-            <p:custDataLst>
-              <p:tags r:id="rId13"/>
-            </p:custDataLst>
-          </p:nvPr>
-        </p:nvCxnSpPr>
-        <p:spPr>
-          <a:xfrm>
-            <a:off x="882057" y="4404407"/>
-            <a:ext cx="8308067" cy="0"/>
+          <a:xfrm flipV="1">
+            <a:off x="882057" y="4392295"/>
+            <a:ext cx="9052778" cy="12112"/>
           </a:xfrm>
           <a:prstGeom prst="line">
             <a:avLst/>
@@ -7507,14 +7294,14 @@
           <p:cNvCxnSpPr/>
           <p:nvPr>
             <p:custDataLst>
-              <p:tags r:id="rId14"/>
+              <p:tags r:id="rId9"/>
             </p:custDataLst>
           </p:nvPr>
         </p:nvCxnSpPr>
         <p:spPr>
           <a:xfrm>
             <a:off x="882057" y="4074207"/>
-            <a:ext cx="7204430" cy="0"/>
+            <a:ext cx="9052778" cy="573"/>
           </a:xfrm>
           <a:prstGeom prst="line">
             <a:avLst/>
@@ -7547,17 +7334,19 @@
       <p:cxnSp>
         <p:nvCxnSpPr>
           <p:cNvPr id="46549" name="OTLSHAPE_T_3a4a23b568c54ea58c3d039b8ca1da1b_HorizontalConnector1"/>
-          <p:cNvCxnSpPr/>
+          <p:cNvCxnSpPr>
+            <a:endCxn id="46658" idx="1"/>
+          </p:cNvCxnSpPr>
           <p:nvPr>
             <p:custDataLst>
-              <p:tags r:id="rId15"/>
+              <p:tags r:id="rId10"/>
             </p:custDataLst>
           </p:nvPr>
         </p:nvCxnSpPr>
         <p:spPr>
           <a:xfrm>
             <a:off x="882057" y="3744007"/>
-            <a:ext cx="6219041" cy="0"/>
+            <a:ext cx="9036777" cy="0"/>
           </a:xfrm>
           <a:prstGeom prst="line">
             <a:avLst/>
@@ -7590,17 +7379,19 @@
       <p:cxnSp>
         <p:nvCxnSpPr>
           <p:cNvPr id="46548" name="OTLSHAPE_T_d45e8f651eb34241b7613d55f188f72e_HorizontalConnector1"/>
-          <p:cNvCxnSpPr/>
+          <p:cNvCxnSpPr>
+            <a:endCxn id="46650" idx="1"/>
+          </p:cNvCxnSpPr>
           <p:nvPr>
             <p:custDataLst>
-              <p:tags r:id="rId16"/>
+              <p:tags r:id="rId11"/>
             </p:custDataLst>
           </p:nvPr>
         </p:nvCxnSpPr>
         <p:spPr>
-          <a:xfrm>
-            <a:off x="811657" y="3413807"/>
-            <a:ext cx="5816454" cy="0"/>
+          <a:xfrm flipV="1">
+            <a:off x="811657" y="3404814"/>
+            <a:ext cx="9123656" cy="8993"/>
           </a:xfrm>
           <a:prstGeom prst="line">
             <a:avLst/>
@@ -7636,7 +7427,7 @@
           <p:cNvCxnSpPr/>
           <p:nvPr>
             <p:custDataLst>
-              <p:tags r:id="rId17"/>
+              <p:tags r:id="rId12"/>
             </p:custDataLst>
           </p:nvPr>
         </p:nvCxnSpPr>
@@ -7679,7 +7470,7 @@
           <p:cNvCxnSpPr/>
           <p:nvPr>
             <p:custDataLst>
-              <p:tags r:id="rId18"/>
+              <p:tags r:id="rId13"/>
             </p:custDataLst>
           </p:nvPr>
         </p:nvCxnSpPr>
@@ -7722,7 +7513,7 @@
           <p:cNvCxnSpPr/>
           <p:nvPr>
             <p:custDataLst>
-              <p:tags r:id="rId19"/>
+              <p:tags r:id="rId14"/>
             </p:custDataLst>
           </p:nvPr>
         </p:nvCxnSpPr>
@@ -7765,14 +7556,14 @@
           <p:cNvCxnSpPr/>
           <p:nvPr>
             <p:custDataLst>
-              <p:tags r:id="rId20"/>
+              <p:tags r:id="rId15"/>
             </p:custDataLst>
           </p:nvPr>
         </p:nvCxnSpPr>
         <p:spPr>
-          <a:xfrm>
-            <a:off x="846836" y="2093007"/>
-            <a:ext cx="2194456" cy="0"/>
+          <a:xfrm flipV="1">
+            <a:off x="846836" y="2090309"/>
+            <a:ext cx="1825383" cy="2698"/>
           </a:xfrm>
           <a:prstGeom prst="line">
             <a:avLst/>
@@ -7808,7 +7599,7 @@
           <p:cNvCxnSpPr/>
           <p:nvPr>
             <p:custDataLst>
-              <p:tags r:id="rId21"/>
+              <p:tags r:id="rId16"/>
             </p:custDataLst>
           </p:nvPr>
         </p:nvCxnSpPr>
@@ -7851,7 +7642,7 @@
           <p:cNvCxnSpPr/>
           <p:nvPr>
             <p:custDataLst>
-              <p:tags r:id="rId22"/>
+              <p:tags r:id="rId17"/>
             </p:custDataLst>
           </p:nvPr>
         </p:nvCxnSpPr>
@@ -7894,7 +7685,7 @@
           <p:cNvSpPr txBox="1"/>
           <p:nvPr>
             <p:custDataLst>
-              <p:tags r:id="rId23"/>
+              <p:tags r:id="rId18"/>
             </p:custDataLst>
           </p:nvPr>
         </p:nvSpPr>
@@ -7957,14 +7748,14 @@
           <p:cNvSpPr/>
           <p:nvPr>
             <p:custDataLst>
-              <p:tags r:id="rId24"/>
+              <p:tags r:id="rId19"/>
             </p:custDataLst>
           </p:nvPr>
         </p:nvSpPr>
         <p:spPr>
           <a:xfrm>
-            <a:off x="1179322" y="5155311"/>
-            <a:ext cx="9994001" cy="242189"/>
+            <a:off x="1336110" y="5186083"/>
+            <a:ext cx="9837213" cy="211417"/>
           </a:xfrm>
           <a:prstGeom prst="roundRect">
             <a:avLst/>
@@ -8043,7 +7834,7 @@
           <p:cNvSpPr/>
           <p:nvPr>
             <p:custDataLst>
-              <p:tags r:id="rId25"/>
+              <p:tags r:id="rId20"/>
             </p:custDataLst>
           </p:nvPr>
         </p:nvSpPr>
@@ -8087,7 +7878,7 @@
           <p:cNvSpPr/>
           <p:nvPr>
             <p:custDataLst>
-              <p:tags r:id="rId26"/>
+              <p:tags r:id="rId21"/>
             </p:custDataLst>
           </p:nvPr>
         </p:nvSpPr>
@@ -8131,7 +7922,7 @@
           <p:cNvSpPr txBox="1"/>
           <p:nvPr>
             <p:custDataLst>
-              <p:tags r:id="rId27"/>
+              <p:tags r:id="rId22"/>
             </p:custDataLst>
           </p:nvPr>
         </p:nvSpPr>
@@ -8176,7 +7967,7 @@
           <p:cNvSpPr txBox="1"/>
           <p:nvPr>
             <p:custDataLst>
-              <p:tags r:id="rId28"/>
+              <p:tags r:id="rId23"/>
             </p:custDataLst>
           </p:nvPr>
         </p:nvSpPr>
@@ -8221,7 +8012,7 @@
           <p:cNvSpPr txBox="1"/>
           <p:nvPr>
             <p:custDataLst>
-              <p:tags r:id="rId29"/>
+              <p:tags r:id="rId24"/>
             </p:custDataLst>
           </p:nvPr>
         </p:nvSpPr>
@@ -8266,14 +8057,14 @@
           <p:cNvSpPr/>
           <p:nvPr>
             <p:custDataLst>
-              <p:tags r:id="rId30"/>
+              <p:tags r:id="rId25"/>
             </p:custDataLst>
           </p:nvPr>
         </p:nvSpPr>
         <p:spPr>
           <a:xfrm>
-            <a:off x="1135188" y="1331007"/>
-            <a:ext cx="1066800" cy="203200"/>
+            <a:off x="1349338" y="1283291"/>
+            <a:ext cx="8585497" cy="250916"/>
           </a:xfrm>
           <a:prstGeom prst="roundRect">
             <a:avLst/>
@@ -8355,7 +8146,7 @@
           <p:cNvSpPr/>
           <p:nvPr>
             <p:custDataLst>
-              <p:tags r:id="rId31"/>
+              <p:tags r:id="rId26"/>
             </p:custDataLst>
           </p:nvPr>
         </p:nvSpPr>
@@ -8399,7 +8190,7 @@
           <p:cNvSpPr txBox="1"/>
           <p:nvPr>
             <p:custDataLst>
-              <p:tags r:id="rId32"/>
+              <p:tags r:id="rId27"/>
             </p:custDataLst>
           </p:nvPr>
         </p:nvSpPr>
@@ -8435,7 +8226,7 @@
           <p:cNvSpPr txBox="1"/>
           <p:nvPr>
             <p:custDataLst>
-              <p:tags r:id="rId33"/>
+              <p:tags r:id="rId28"/>
             </p:custDataLst>
           </p:nvPr>
         </p:nvSpPr>
@@ -8471,7 +8262,7 @@
           <p:cNvSpPr txBox="1"/>
           <p:nvPr>
             <p:custDataLst>
-              <p:tags r:id="rId34"/>
+              <p:tags r:id="rId29"/>
             </p:custDataLst>
           </p:nvPr>
         </p:nvSpPr>
@@ -8503,18 +8294,18 @@
       </p:sp>
       <p:sp>
         <p:nvSpPr>
-          <p:cNvPr id="46607" name="OTLSHAPE_T_f3c770d8a6a24238a57b373ef9984550_JoinedDate"/>
+          <p:cNvPr id="46609" name="OTLSHAPE_T_f3c770d8a6a24238a57b373ef9984550_Title"/>
           <p:cNvSpPr txBox="1"/>
           <p:nvPr>
             <p:custDataLst>
-              <p:tags r:id="rId35"/>
+              <p:tags r:id="rId30"/>
             </p:custDataLst>
           </p:nvPr>
         </p:nvSpPr>
         <p:spPr>
           <a:xfrm>
-            <a:off x="2776767" y="1362545"/>
-            <a:ext cx="584200" cy="140123"/>
+            <a:off x="127000" y="1247941"/>
+            <a:ext cx="685800" cy="369332"/>
           </a:xfrm>
           <a:prstGeom prst="rect">
             <a:avLst/>
@@ -8528,59 +8319,15 @@
           <a:lstStyle/>
           <a:p>
             <a:r>
-              <a:rPr lang="en-US" sz="900" spc="-6" smtClean="0">
-                <a:solidFill>
-                  <a:schemeClr val="accent1"/>
-                </a:solidFill>
-                <a:latin typeface="Century Gothic" panose="020B0502020202020204" pitchFamily="34" charset="0"/>
-              </a:rPr>
-              <a:t>6/25 - 7/21</a:t>
-            </a:r>
-            <a:endParaRPr lang="en-US" sz="900" spc="-6">
-              <a:solidFill>
-                <a:schemeClr val="accent1"/>
-              </a:solidFill>
-              <a:latin typeface="Century Gothic" panose="020B0502020202020204" pitchFamily="34" charset="0"/>
-            </a:endParaRPr>
-          </a:p>
-        </p:txBody>
-      </p:sp>
-      <p:sp>
-        <p:nvSpPr>
-          <p:cNvPr id="46609" name="OTLSHAPE_T_f3c770d8a6a24238a57b373ef9984550_Title"/>
-          <p:cNvSpPr txBox="1"/>
-          <p:nvPr>
-            <p:custDataLst>
-              <p:tags r:id="rId36"/>
-            </p:custDataLst>
-          </p:nvPr>
-        </p:nvSpPr>
-        <p:spPr>
-          <a:xfrm>
-            <a:off x="127000" y="1355663"/>
-            <a:ext cx="685800" cy="153888"/>
-          </a:xfrm>
-          <a:prstGeom prst="rect">
-            <a:avLst/>
-          </a:prstGeom>
-          <a:noFill/>
-        </p:spPr>
-        <p:txBody>
-          <a:bodyPr vert="horz" wrap="square" lIns="0" tIns="0" rIns="0" bIns="0" rtlCol="0" anchor="ctr" anchorCtr="0">
-            <a:spAutoFit/>
-          </a:bodyPr>
-          <a:lstStyle/>
-          <a:p>
-            <a:r>
-              <a:rPr lang="en-US" sz="1000" spc="-6" dirty="0" smtClean="0">
+              <a:rPr lang="en-US" sz="800" b="1" spc="-6" dirty="0" smtClean="0">
                 <a:solidFill>
                   <a:schemeClr val="dk2"/>
                 </a:solidFill>
                 <a:latin typeface="Century Gothic" panose="020B0502020202020204" pitchFamily="34" charset="0"/>
               </a:rPr>
-              <a:t>Movement</a:t>
-            </a:r>
-            <a:endParaRPr lang="en-US" sz="1000" spc="-6" dirty="0">
+              <a:t>Basic Mechanics and Graphics</a:t>
+            </a:r>
+            <a:endParaRPr lang="en-US" sz="800" b="1" spc="-6" dirty="0">
               <a:solidFill>
                 <a:schemeClr val="dk2"/>
               </a:solidFill>
@@ -8595,14 +8342,14 @@
           <p:cNvSpPr/>
           <p:nvPr>
             <p:custDataLst>
-              <p:tags r:id="rId37"/>
+              <p:tags r:id="rId31"/>
             </p:custDataLst>
           </p:nvPr>
         </p:nvSpPr>
         <p:spPr>
           <a:xfrm>
-            <a:off x="2055902" y="1661207"/>
-            <a:ext cx="1384300" cy="203200"/>
+            <a:off x="1341546" y="1640496"/>
+            <a:ext cx="1343902" cy="210681"/>
           </a:xfrm>
           <a:prstGeom prst="roundRect">
             <a:avLst/>
@@ -8684,7 +8431,7 @@
           <p:cNvSpPr/>
           <p:nvPr>
             <p:custDataLst>
-              <p:tags r:id="rId38"/>
+              <p:tags r:id="rId32"/>
             </p:custDataLst>
           </p:nvPr>
         </p:nvSpPr>
@@ -8728,7 +8475,7 @@
           <p:cNvSpPr txBox="1"/>
           <p:nvPr>
             <p:custDataLst>
-              <p:tags r:id="rId39"/>
+              <p:tags r:id="rId33"/>
             </p:custDataLst>
           </p:nvPr>
         </p:nvSpPr>
@@ -8764,7 +8511,7 @@
           <p:cNvSpPr txBox="1"/>
           <p:nvPr>
             <p:custDataLst>
-              <p:tags r:id="rId40"/>
+              <p:tags r:id="rId34"/>
             </p:custDataLst>
           </p:nvPr>
         </p:nvSpPr>
@@ -8800,7 +8547,7 @@
           <p:cNvSpPr txBox="1"/>
           <p:nvPr>
             <p:custDataLst>
-              <p:tags r:id="rId41"/>
+              <p:tags r:id="rId35"/>
             </p:custDataLst>
           </p:nvPr>
         </p:nvSpPr>
@@ -8832,18 +8579,18 @@
       </p:sp>
       <p:sp>
         <p:nvSpPr>
-          <p:cNvPr id="46615" name="OTLSHAPE_T_c3d685d5ae854fb185925e527e534f28_JoinedDate"/>
+          <p:cNvPr id="46617" name="OTLSHAPE_T_c3d685d5ae854fb185925e527e534f28_Title"/>
           <p:cNvSpPr txBox="1"/>
           <p:nvPr>
             <p:custDataLst>
-              <p:tags r:id="rId42"/>
+              <p:tags r:id="rId36"/>
             </p:custDataLst>
           </p:nvPr>
         </p:nvSpPr>
         <p:spPr>
           <a:xfrm>
-            <a:off x="3486248" y="1692746"/>
-            <a:ext cx="457200" cy="140123"/>
+            <a:off x="127000" y="1970447"/>
+            <a:ext cx="723900" cy="246221"/>
           </a:xfrm>
           <a:prstGeom prst="rect">
             <a:avLst/>
@@ -8857,15 +8604,198 @@
           <a:lstStyle/>
           <a:p>
             <a:r>
-              <a:rPr lang="en-US" sz="900" spc="-6" smtClean="0">
+              <a:rPr lang="en-US" sz="800" spc="-6" dirty="0" smtClean="0">
                 <a:solidFill>
-                  <a:schemeClr val="accent1"/>
+                  <a:schemeClr val="dk2"/>
                 </a:solidFill>
                 <a:latin typeface="Century Gothic" panose="020B0502020202020204" pitchFamily="34" charset="0"/>
               </a:rPr>
-              <a:t>7/5 - 8/8</a:t>
-            </a:r>
-            <a:endParaRPr lang="en-US" sz="900" spc="-6">
+              <a:t>Platform Familiarization</a:t>
+            </a:r>
+            <a:endParaRPr lang="en-US" sz="800" spc="-6" dirty="0">
+              <a:solidFill>
+                <a:schemeClr val="dk2"/>
+              </a:solidFill>
+              <a:latin typeface="Century Gothic" panose="020B0502020202020204" pitchFamily="34" charset="0"/>
+            </a:endParaRPr>
+          </a:p>
+        </p:txBody>
+      </p:sp>
+      <p:sp>
+        <p:nvSpPr>
+          <p:cNvPr id="46618" name="OTLSHAPE_T_a521783cf3084313af760cd9c2923e3c_Shape"/>
+          <p:cNvSpPr/>
+          <p:nvPr>
+            <p:custDataLst>
+              <p:tags r:id="rId37"/>
+            </p:custDataLst>
+          </p:nvPr>
+        </p:nvSpPr>
+        <p:spPr>
+          <a:xfrm>
+            <a:off x="1334776" y="1971241"/>
+            <a:ext cx="1337443" cy="223365"/>
+          </a:xfrm>
+          <a:prstGeom prst="roundRect">
+            <a:avLst/>
+          </a:prstGeom>
+          <a:solidFill>
+            <a:schemeClr val="accent6"/>
+          </a:solidFill>
+          <a:ln w="12700" cap="flat" cmpd="sng" algn="ctr">
+            <a:noFill/>
+            <a:prstDash val="solid"/>
+            <a:miter lim="800000"/>
+          </a:ln>
+          <a:effectLst/>
+          <a:scene3d>
+            <a:camera prst="orthographicFront"/>
+            <a:lightRig rig="balanced" dir="t">
+              <a:rot lat="0" lon="0" rev="8700000"/>
+            </a:lightRig>
+          </a:scene3d>
+          <a:sp3d>
+            <a:bevelT w="165100" h="12700"/>
+          </a:sp3d>
+          <a:extLst>
+            <a:ext uri="{53640926-AAD7-44d8-BBD7-CCE9431645EC}">
+              <a14:shadowObscured xmlns:a14="http://schemas.microsoft.com/office/drawing/2010/main" val="1"/>
+            </a:ext>
+          </a:extLst>
+        </p:spPr>
+        <p:style>
+          <a:lnRef idx="2">
+            <a:schemeClr val="accent1">
+              <a:shade val="50000"/>
+            </a:schemeClr>
+          </a:lnRef>
+          <a:fillRef idx="1">
+            <a:schemeClr val="accent1"/>
+          </a:fillRef>
+          <a:effectRef idx="0">
+            <a:schemeClr val="accent1"/>
+          </a:effectRef>
+          <a:fontRef idx="minor">
+            <a:schemeClr val="lt1"/>
+          </a:fontRef>
+        </p:style>
+        <p:txBody>
+          <a:bodyPr rtlCol="0" anchor="ctr"/>
+          <a:lstStyle/>
+          <a:p>
+            <a:pPr algn="ctr"/>
+            <a:endParaRPr lang="en-US"/>
+          </a:p>
+        </p:txBody>
+      </p:sp>
+      <p:sp>
+        <p:nvSpPr>
+          <p:cNvPr id="46619" name="OTLSHAPE_T_a521783cf3084313af760cd9c2923e3c_ShapePercentage" hidden="1"/>
+          <p:cNvSpPr/>
+          <p:nvPr>
+            <p:custDataLst>
+              <p:tags r:id="rId38"/>
+            </p:custDataLst>
+          </p:nvPr>
+        </p:nvSpPr>
+        <p:spPr>
+          <a:xfrm>
+            <a:off x="3041292" y="1991407"/>
+            <a:ext cx="0" cy="0"/>
+          </a:xfrm>
+          <a:prstGeom prst="roundRect">
+            <a:avLst/>
+          </a:prstGeom>
+        </p:spPr>
+        <p:style>
+          <a:lnRef idx="2">
+            <a:schemeClr val="accent1">
+              <a:shade val="50000"/>
+            </a:schemeClr>
+          </a:lnRef>
+          <a:fillRef idx="1">
+            <a:schemeClr val="accent1"/>
+          </a:fillRef>
+          <a:effectRef idx="0">
+            <a:schemeClr val="accent1"/>
+          </a:effectRef>
+          <a:fontRef idx="minor">
+            <a:schemeClr val="lt1"/>
+          </a:fontRef>
+        </p:style>
+        <p:txBody>
+          <a:bodyPr rtlCol="0" anchor="ctr"/>
+          <a:lstStyle/>
+          <a:p>
+            <a:pPr algn="ctr"/>
+            <a:endParaRPr lang="en-US"/>
+          </a:p>
+        </p:txBody>
+      </p:sp>
+      <p:sp>
+        <p:nvSpPr>
+          <p:cNvPr id="46620" name="OTLSHAPE_T_a521783cf3084313af760cd9c2923e3c_TextPercentage" hidden="1"/>
+          <p:cNvSpPr txBox="1"/>
+          <p:nvPr>
+            <p:custDataLst>
+              <p:tags r:id="rId39"/>
+            </p:custDataLst>
+          </p:nvPr>
+        </p:nvSpPr>
+        <p:spPr>
+          <a:xfrm>
+            <a:off x="0" y="1991407"/>
+            <a:ext cx="0" cy="153888"/>
+          </a:xfrm>
+          <a:prstGeom prst="rect">
+            <a:avLst/>
+          </a:prstGeom>
+          <a:noFill/>
+        </p:spPr>
+        <p:txBody>
+          <a:bodyPr vert="horz" wrap="square" lIns="0" tIns="0" rIns="0" bIns="0" rtlCol="0" anchor="ctr" anchorCtr="0">
+            <a:spAutoFit/>
+          </a:bodyPr>
+          <a:lstStyle/>
+          <a:p>
+            <a:pPr algn="ctr"/>
+            <a:endParaRPr lang="en-US" sz="1000">
+              <a:solidFill>
+                <a:srgbClr val="C0504D"/>
+              </a:solidFill>
+              <a:latin typeface="Calibri" panose="020F0502020204030204" pitchFamily="34" charset="0"/>
+            </a:endParaRPr>
+          </a:p>
+        </p:txBody>
+      </p:sp>
+      <p:sp>
+        <p:nvSpPr>
+          <p:cNvPr id="46621" name="OTLSHAPE_T_a521783cf3084313af760cd9c2923e3c_StartDate" hidden="1"/>
+          <p:cNvSpPr txBox="1"/>
+          <p:nvPr>
+            <p:custDataLst>
+              <p:tags r:id="rId40"/>
+            </p:custDataLst>
+          </p:nvPr>
+        </p:nvSpPr>
+        <p:spPr>
+          <a:xfrm>
+            <a:off x="0" y="1991407"/>
+            <a:ext cx="0" cy="138499"/>
+          </a:xfrm>
+          <a:prstGeom prst="rect">
+            <a:avLst/>
+          </a:prstGeom>
+          <a:noFill/>
+        </p:spPr>
+        <p:txBody>
+          <a:bodyPr vert="horz" wrap="square" lIns="0" tIns="0" rIns="0" bIns="0" rtlCol="0" anchor="ctr" anchorCtr="0">
+            <a:spAutoFit/>
+          </a:bodyPr>
+          <a:lstStyle/>
+          <a:p>
+            <a:pPr algn="ctr"/>
+            <a:endParaRPr lang="en-US" sz="900">
               <a:solidFill>
                 <a:schemeClr val="accent1"/>
               </a:solidFill>
@@ -8876,18 +8806,18 @@
       </p:sp>
       <p:sp>
         <p:nvSpPr>
-          <p:cNvPr id="46617" name="OTLSHAPE_T_c3d685d5ae854fb185925e527e534f28_Title"/>
+          <p:cNvPr id="46622" name="OTLSHAPE_T_a521783cf3084313af760cd9c2923e3c_EndDate" hidden="1"/>
           <p:cNvSpPr txBox="1"/>
           <p:nvPr>
             <p:custDataLst>
-              <p:tags r:id="rId43"/>
+              <p:tags r:id="rId41"/>
             </p:custDataLst>
           </p:nvPr>
         </p:nvSpPr>
         <p:spPr>
           <a:xfrm>
-            <a:off x="127000" y="1684956"/>
-            <a:ext cx="723900" cy="155702"/>
+            <a:off x="0" y="1991407"/>
+            <a:ext cx="0" cy="138499"/>
           </a:xfrm>
           <a:prstGeom prst="rect">
             <a:avLst/>
@@ -8900,16 +8830,52 @@
           </a:bodyPr>
           <a:lstStyle/>
           <a:p>
-            <a:r>
-              <a:rPr lang="en-US" sz="1000" spc="-6" dirty="0" smtClean="0">
+            <a:pPr algn="ctr"/>
+            <a:endParaRPr lang="en-US" sz="900">
+              <a:solidFill>
+                <a:schemeClr val="accent1"/>
+              </a:solidFill>
+              <a:latin typeface="Century Gothic" panose="020B0502020202020204" pitchFamily="34" charset="0"/>
+            </a:endParaRPr>
+          </a:p>
+        </p:txBody>
+      </p:sp>
+      <p:sp>
+        <p:nvSpPr>
+          <p:cNvPr id="46625" name="OTLSHAPE_T_a521783cf3084313af760cd9c2923e3c_Title"/>
+          <p:cNvSpPr txBox="1"/>
+          <p:nvPr>
+            <p:custDataLst>
+              <p:tags r:id="rId42"/>
+            </p:custDataLst>
+          </p:nvPr>
+        </p:nvSpPr>
+        <p:spPr>
+          <a:xfrm>
+            <a:off x="127000" y="2300647"/>
+            <a:ext cx="723900" cy="246221"/>
+          </a:xfrm>
+          <a:prstGeom prst="rect">
+            <a:avLst/>
+          </a:prstGeom>
+          <a:noFill/>
+        </p:spPr>
+        <p:txBody>
+          <a:bodyPr vert="horz" wrap="square" lIns="0" tIns="0" rIns="0" bIns="0" rtlCol="0" anchor="ctr" anchorCtr="0">
+            <a:spAutoFit/>
+          </a:bodyPr>
+          <a:lstStyle/>
+          <a:p>
+            <a:r>
+              <a:rPr lang="en-US" sz="800" spc="-6" dirty="0" smtClean="0">
                 <a:solidFill>
                   <a:schemeClr val="dk2"/>
                 </a:solidFill>
                 <a:latin typeface="Century Gothic" panose="020B0502020202020204" pitchFamily="34" charset="0"/>
               </a:rPr>
-              <a:t>Jumping</a:t>
-            </a:r>
-            <a:endParaRPr lang="en-US" sz="1000" spc="-6" dirty="0">
+              <a:t>Platforms/Background</a:t>
+            </a:r>
+            <a:endParaRPr lang="en-US" sz="800" spc="-6" dirty="0">
               <a:solidFill>
                 <a:schemeClr val="dk2"/>
               </a:solidFill>
@@ -8920,7 +8886,96 @@
       </p:sp>
       <p:sp>
         <p:nvSpPr>
-          <p:cNvPr id="46618" name="OTLSHAPE_T_a521783cf3084313af760cd9c2923e3c_Shape"/>
+          <p:cNvPr id="46626" name="OTLSHAPE_T_9cde6d5d307b4df7b1464248cab7fef6_Shape"/>
+          <p:cNvSpPr/>
+          <p:nvPr>
+            <p:custDataLst>
+              <p:tags r:id="rId43"/>
+            </p:custDataLst>
+          </p:nvPr>
+        </p:nvSpPr>
+        <p:spPr>
+          <a:xfrm>
+            <a:off x="2678426" y="2321607"/>
+            <a:ext cx="1854200" cy="203200"/>
+          </a:xfrm>
+          <a:prstGeom prst="roundRect">
+            <a:avLst/>
+          </a:prstGeom>
+          <a:solidFill>
+            <a:schemeClr val="accent6"/>
+          </a:solidFill>
+          <a:ln w="12700" cap="flat" cmpd="sng" algn="ctr">
+            <a:noFill/>
+            <a:prstDash val="solid"/>
+            <a:miter lim="800000"/>
+          </a:ln>
+          <a:effectLst/>
+          <a:scene3d>
+            <a:camera prst="orthographicFront"/>
+            <a:lightRig rig="balanced" dir="t">
+              <a:rot lat="0" lon="0" rev="8700000"/>
+            </a:lightRig>
+          </a:scene3d>
+          <a:sp3d>
+            <a:bevelT w="165100" h="12700"/>
+          </a:sp3d>
+          <a:extLst>
+            <a:ext uri="{91240B29-F687-4f45-9708-019B960494DF}">
+              <a14:hiddenLine xmlns:a14="http://schemas.microsoft.com/office/drawing/2010/main" w="12700" cap="flat" cmpd="sng" algn="ctr">
+                <a:solidFill>
+                  <a:schemeClr val="accent1">
+                    <a:shade val="50000"/>
+                  </a:schemeClr>
+                </a:solidFill>
+                <a:prstDash val="solid"/>
+                <a:miter lim="800000"/>
+              </a14:hiddenLine>
+            </a:ext>
+            <a:ext uri="{AF507438-7753-43e0-B8FC-AC1667EBCBE1}">
+              <a14:hiddenEffects xmlns:a14="http://schemas.microsoft.com/office/drawing/2010/main">
+                <a:effectLst>
+                  <a:outerShdw>
+                    <a:scrgbClr r="0" g="0" b="0">
+                      <a:alpha val="50000"/>
+                    </a:scrgbClr>
+                  </a:outerShdw>
+                </a:effectLst>
+              </a14:hiddenEffects>
+            </a:ext>
+            <a:ext uri="{53640926-AAD7-44d8-BBD7-CCE9431645EC}">
+              <a14:shadowObscured xmlns:a14="http://schemas.microsoft.com/office/drawing/2010/main" val="1"/>
+            </a:ext>
+          </a:extLst>
+        </p:spPr>
+        <p:style>
+          <a:lnRef idx="2">
+            <a:schemeClr val="accent1">
+              <a:shade val="50000"/>
+            </a:schemeClr>
+          </a:lnRef>
+          <a:fillRef idx="1">
+            <a:schemeClr val="accent1"/>
+          </a:fillRef>
+          <a:effectRef idx="0">
+            <a:schemeClr val="accent1"/>
+          </a:effectRef>
+          <a:fontRef idx="minor">
+            <a:schemeClr val="lt1"/>
+          </a:fontRef>
+        </p:style>
+        <p:txBody>
+          <a:bodyPr rtlCol="0" anchor="ctr"/>
+          <a:lstStyle/>
+          <a:p>
+            <a:pPr algn="ctr"/>
+            <a:endParaRPr lang="en-US"/>
+          </a:p>
+        </p:txBody>
+      </p:sp>
+      <p:sp>
+        <p:nvSpPr>
+          <p:cNvPr id="46627" name="OTLSHAPE_T_9cde6d5d307b4df7b1464248cab7fef6_ShapePercentage" hidden="1"/>
           <p:cNvSpPr/>
           <p:nvPr>
             <p:custDataLst>
@@ -8930,8 +8985,761 @@
         </p:nvSpPr>
         <p:spPr>
           <a:xfrm>
-            <a:off x="3041292" y="1991407"/>
-            <a:ext cx="1778000" cy="203200"/>
+            <a:off x="3869019" y="2321607"/>
+            <a:ext cx="0" cy="0"/>
+          </a:xfrm>
+          <a:prstGeom prst="roundRect">
+            <a:avLst/>
+          </a:prstGeom>
+        </p:spPr>
+        <p:style>
+          <a:lnRef idx="2">
+            <a:schemeClr val="accent1">
+              <a:shade val="50000"/>
+            </a:schemeClr>
+          </a:lnRef>
+          <a:fillRef idx="1">
+            <a:schemeClr val="accent1"/>
+          </a:fillRef>
+          <a:effectRef idx="0">
+            <a:schemeClr val="accent1"/>
+          </a:effectRef>
+          <a:fontRef idx="minor">
+            <a:schemeClr val="lt1"/>
+          </a:fontRef>
+        </p:style>
+        <p:txBody>
+          <a:bodyPr rtlCol="0" anchor="ctr"/>
+          <a:lstStyle/>
+          <a:p>
+            <a:pPr algn="ctr"/>
+            <a:endParaRPr lang="en-US"/>
+          </a:p>
+        </p:txBody>
+      </p:sp>
+      <p:sp>
+        <p:nvSpPr>
+          <p:cNvPr id="46628" name="OTLSHAPE_T_9cde6d5d307b4df7b1464248cab7fef6_TextPercentage" hidden="1"/>
+          <p:cNvSpPr txBox="1"/>
+          <p:nvPr>
+            <p:custDataLst>
+              <p:tags r:id="rId45"/>
+            </p:custDataLst>
+          </p:nvPr>
+        </p:nvSpPr>
+        <p:spPr>
+          <a:xfrm>
+            <a:off x="0" y="2321607"/>
+            <a:ext cx="0" cy="153888"/>
+          </a:xfrm>
+          <a:prstGeom prst="rect">
+            <a:avLst/>
+          </a:prstGeom>
+          <a:noFill/>
+        </p:spPr>
+        <p:txBody>
+          <a:bodyPr vert="horz" wrap="square" lIns="0" tIns="0" rIns="0" bIns="0" rtlCol="0" anchor="ctr" anchorCtr="0">
+            <a:spAutoFit/>
+          </a:bodyPr>
+          <a:lstStyle/>
+          <a:p>
+            <a:pPr algn="ctr"/>
+            <a:endParaRPr lang="en-US" sz="1000">
+              <a:solidFill>
+                <a:srgbClr val="C0504D"/>
+              </a:solidFill>
+              <a:latin typeface="Calibri" panose="020F0502020204030204" pitchFamily="34" charset="0"/>
+            </a:endParaRPr>
+          </a:p>
+        </p:txBody>
+      </p:sp>
+      <p:sp>
+        <p:nvSpPr>
+          <p:cNvPr id="46629" name="OTLSHAPE_T_9cde6d5d307b4df7b1464248cab7fef6_StartDate" hidden="1"/>
+          <p:cNvSpPr txBox="1"/>
+          <p:nvPr>
+            <p:custDataLst>
+              <p:tags r:id="rId46"/>
+            </p:custDataLst>
+          </p:nvPr>
+        </p:nvSpPr>
+        <p:spPr>
+          <a:xfrm>
+            <a:off x="0" y="2321607"/>
+            <a:ext cx="0" cy="138499"/>
+          </a:xfrm>
+          <a:prstGeom prst="rect">
+            <a:avLst/>
+          </a:prstGeom>
+          <a:noFill/>
+        </p:spPr>
+        <p:txBody>
+          <a:bodyPr vert="horz" wrap="square" lIns="0" tIns="0" rIns="0" bIns="0" rtlCol="0" anchor="ctr" anchorCtr="0">
+            <a:spAutoFit/>
+          </a:bodyPr>
+          <a:lstStyle/>
+          <a:p>
+            <a:pPr algn="ctr"/>
+            <a:endParaRPr lang="en-US" sz="900">
+              <a:solidFill>
+                <a:schemeClr val="accent1"/>
+              </a:solidFill>
+              <a:latin typeface="Century Gothic" panose="020B0502020202020204" pitchFamily="34" charset="0"/>
+            </a:endParaRPr>
+          </a:p>
+        </p:txBody>
+      </p:sp>
+      <p:sp>
+        <p:nvSpPr>
+          <p:cNvPr id="46630" name="OTLSHAPE_T_9cde6d5d307b4df7b1464248cab7fef6_EndDate" hidden="1"/>
+          <p:cNvSpPr txBox="1"/>
+          <p:nvPr>
+            <p:custDataLst>
+              <p:tags r:id="rId47"/>
+            </p:custDataLst>
+          </p:nvPr>
+        </p:nvSpPr>
+        <p:spPr>
+          <a:xfrm>
+            <a:off x="0" y="2321607"/>
+            <a:ext cx="0" cy="138499"/>
+          </a:xfrm>
+          <a:prstGeom prst="rect">
+            <a:avLst/>
+          </a:prstGeom>
+          <a:noFill/>
+        </p:spPr>
+        <p:txBody>
+          <a:bodyPr vert="horz" wrap="square" lIns="0" tIns="0" rIns="0" bIns="0" rtlCol="0" anchor="ctr" anchorCtr="0">
+            <a:spAutoFit/>
+          </a:bodyPr>
+          <a:lstStyle/>
+          <a:p>
+            <a:pPr algn="ctr"/>
+            <a:endParaRPr lang="en-US" sz="900">
+              <a:solidFill>
+                <a:schemeClr val="accent1"/>
+              </a:solidFill>
+              <a:latin typeface="Century Gothic" panose="020B0502020202020204" pitchFamily="34" charset="0"/>
+            </a:endParaRPr>
+          </a:p>
+        </p:txBody>
+      </p:sp>
+      <p:sp>
+        <p:nvSpPr>
+          <p:cNvPr id="46633" name="OTLSHAPE_T_9cde6d5d307b4df7b1464248cab7fef6_Title"/>
+          <p:cNvSpPr txBox="1"/>
+          <p:nvPr>
+            <p:custDataLst>
+              <p:tags r:id="rId48"/>
+            </p:custDataLst>
+          </p:nvPr>
+        </p:nvSpPr>
+        <p:spPr>
+          <a:xfrm>
+            <a:off x="127000" y="2630847"/>
+            <a:ext cx="685800" cy="246221"/>
+          </a:xfrm>
+          <a:prstGeom prst="rect">
+            <a:avLst/>
+          </a:prstGeom>
+          <a:noFill/>
+        </p:spPr>
+        <p:txBody>
+          <a:bodyPr vert="horz" wrap="square" lIns="0" tIns="0" rIns="0" bIns="0" rtlCol="0" anchor="ctr" anchorCtr="0">
+            <a:spAutoFit/>
+          </a:bodyPr>
+          <a:lstStyle/>
+          <a:p>
+            <a:r>
+              <a:rPr lang="en-US" sz="800" spc="-6" dirty="0" smtClean="0">
+                <a:solidFill>
+                  <a:schemeClr val="dk2"/>
+                </a:solidFill>
+                <a:latin typeface="Century Gothic" panose="020B0502020202020204" pitchFamily="34" charset="0"/>
+              </a:rPr>
+              <a:t>Sprite Movement</a:t>
+            </a:r>
+            <a:endParaRPr lang="en-US" sz="800" spc="-6" dirty="0">
+              <a:solidFill>
+                <a:schemeClr val="dk2"/>
+              </a:solidFill>
+              <a:latin typeface="Century Gothic" panose="020B0502020202020204" pitchFamily="34" charset="0"/>
+            </a:endParaRPr>
+          </a:p>
+        </p:txBody>
+      </p:sp>
+      <p:sp>
+        <p:nvSpPr>
+          <p:cNvPr id="46634" name="OTLSHAPE_T_6a6e7149661c4d98ae22b9a84a20c0cd_Shape"/>
+          <p:cNvSpPr/>
+          <p:nvPr>
+            <p:custDataLst>
+              <p:tags r:id="rId49"/>
+            </p:custDataLst>
+          </p:nvPr>
+        </p:nvSpPr>
+        <p:spPr>
+          <a:xfrm>
+            <a:off x="3363888" y="2651806"/>
+            <a:ext cx="1892300" cy="203200"/>
+          </a:xfrm>
+          <a:prstGeom prst="roundRect">
+            <a:avLst/>
+          </a:prstGeom>
+          <a:solidFill>
+            <a:srgbClr val="70AD47"/>
+          </a:solidFill>
+          <a:ln w="12700" cap="flat" cmpd="sng" algn="ctr">
+            <a:noFill/>
+            <a:prstDash val="solid"/>
+            <a:miter lim="800000"/>
+          </a:ln>
+          <a:effectLst/>
+          <a:scene3d>
+            <a:camera prst="orthographicFront"/>
+            <a:lightRig rig="balanced" dir="t">
+              <a:rot lat="0" lon="0" rev="8700000"/>
+            </a:lightRig>
+          </a:scene3d>
+          <a:sp3d>
+            <a:bevelT w="165100" h="12700"/>
+          </a:sp3d>
+          <a:extLst>
+            <a:ext uri="{53640926-AAD7-44d8-BBD7-CCE9431645EC}">
+              <a14:shadowObscured xmlns:a14="http://schemas.microsoft.com/office/drawing/2010/main" val="1"/>
+            </a:ext>
+          </a:extLst>
+        </p:spPr>
+        <p:style>
+          <a:lnRef idx="2">
+            <a:schemeClr val="accent1">
+              <a:shade val="50000"/>
+            </a:schemeClr>
+          </a:lnRef>
+          <a:fillRef idx="1">
+            <a:schemeClr val="accent1"/>
+          </a:fillRef>
+          <a:effectRef idx="0">
+            <a:schemeClr val="accent1"/>
+          </a:effectRef>
+          <a:fontRef idx="minor">
+            <a:schemeClr val="lt1"/>
+          </a:fontRef>
+        </p:style>
+        <p:txBody>
+          <a:bodyPr rtlCol="0" anchor="ctr"/>
+          <a:lstStyle/>
+          <a:p>
+            <a:pPr algn="ctr"/>
+            <a:endParaRPr lang="en-US"/>
+          </a:p>
+        </p:txBody>
+      </p:sp>
+      <p:sp>
+        <p:nvSpPr>
+          <p:cNvPr id="46635" name="OTLSHAPE_T_6a6e7149661c4d98ae22b9a84a20c0cd_ShapePercentage" hidden="1"/>
+          <p:cNvSpPr/>
+          <p:nvPr>
+            <p:custDataLst>
+              <p:tags r:id="rId50"/>
+            </p:custDataLst>
+          </p:nvPr>
+        </p:nvSpPr>
+        <p:spPr>
+          <a:xfrm>
+            <a:off x="4223760" y="2651807"/>
+            <a:ext cx="0" cy="0"/>
+          </a:xfrm>
+          <a:prstGeom prst="roundRect">
+            <a:avLst/>
+          </a:prstGeom>
+        </p:spPr>
+        <p:style>
+          <a:lnRef idx="2">
+            <a:schemeClr val="accent1">
+              <a:shade val="50000"/>
+            </a:schemeClr>
+          </a:lnRef>
+          <a:fillRef idx="1">
+            <a:schemeClr val="accent1"/>
+          </a:fillRef>
+          <a:effectRef idx="0">
+            <a:schemeClr val="accent1"/>
+          </a:effectRef>
+          <a:fontRef idx="minor">
+            <a:schemeClr val="lt1"/>
+          </a:fontRef>
+        </p:style>
+        <p:txBody>
+          <a:bodyPr rtlCol="0" anchor="ctr"/>
+          <a:lstStyle/>
+          <a:p>
+            <a:pPr algn="ctr"/>
+            <a:endParaRPr lang="en-US"/>
+          </a:p>
+        </p:txBody>
+      </p:sp>
+      <p:sp>
+        <p:nvSpPr>
+          <p:cNvPr id="46636" name="OTLSHAPE_T_6a6e7149661c4d98ae22b9a84a20c0cd_TextPercentage" hidden="1"/>
+          <p:cNvSpPr txBox="1"/>
+          <p:nvPr>
+            <p:custDataLst>
+              <p:tags r:id="rId51"/>
+            </p:custDataLst>
+          </p:nvPr>
+        </p:nvSpPr>
+        <p:spPr>
+          <a:xfrm>
+            <a:off x="0" y="2651807"/>
+            <a:ext cx="0" cy="153888"/>
+          </a:xfrm>
+          <a:prstGeom prst="rect">
+            <a:avLst/>
+          </a:prstGeom>
+          <a:noFill/>
+        </p:spPr>
+        <p:txBody>
+          <a:bodyPr vert="horz" wrap="square" lIns="0" tIns="0" rIns="0" bIns="0" rtlCol="0" anchor="ctr" anchorCtr="0">
+            <a:spAutoFit/>
+          </a:bodyPr>
+          <a:lstStyle/>
+          <a:p>
+            <a:pPr algn="ctr"/>
+            <a:endParaRPr lang="en-US" sz="1000">
+              <a:solidFill>
+                <a:srgbClr val="C0504D"/>
+              </a:solidFill>
+              <a:latin typeface="Calibri" panose="020F0502020204030204" pitchFamily="34" charset="0"/>
+            </a:endParaRPr>
+          </a:p>
+        </p:txBody>
+      </p:sp>
+      <p:sp>
+        <p:nvSpPr>
+          <p:cNvPr id="46637" name="OTLSHAPE_T_6a6e7149661c4d98ae22b9a84a20c0cd_StartDate" hidden="1"/>
+          <p:cNvSpPr txBox="1"/>
+          <p:nvPr>
+            <p:custDataLst>
+              <p:tags r:id="rId52"/>
+            </p:custDataLst>
+          </p:nvPr>
+        </p:nvSpPr>
+        <p:spPr>
+          <a:xfrm>
+            <a:off x="0" y="2651807"/>
+            <a:ext cx="0" cy="138499"/>
+          </a:xfrm>
+          <a:prstGeom prst="rect">
+            <a:avLst/>
+          </a:prstGeom>
+          <a:noFill/>
+        </p:spPr>
+        <p:txBody>
+          <a:bodyPr vert="horz" wrap="square" lIns="0" tIns="0" rIns="0" bIns="0" rtlCol="0" anchor="ctr" anchorCtr="0">
+            <a:spAutoFit/>
+          </a:bodyPr>
+          <a:lstStyle/>
+          <a:p>
+            <a:pPr algn="ctr"/>
+            <a:endParaRPr lang="en-US" sz="900">
+              <a:solidFill>
+                <a:schemeClr val="accent1"/>
+              </a:solidFill>
+              <a:latin typeface="Century Gothic" panose="020B0502020202020204" pitchFamily="34" charset="0"/>
+            </a:endParaRPr>
+          </a:p>
+        </p:txBody>
+      </p:sp>
+      <p:sp>
+        <p:nvSpPr>
+          <p:cNvPr id="46638" name="OTLSHAPE_T_6a6e7149661c4d98ae22b9a84a20c0cd_EndDate" hidden="1"/>
+          <p:cNvSpPr txBox="1"/>
+          <p:nvPr>
+            <p:custDataLst>
+              <p:tags r:id="rId53"/>
+            </p:custDataLst>
+          </p:nvPr>
+        </p:nvSpPr>
+        <p:spPr>
+          <a:xfrm>
+            <a:off x="0" y="2651807"/>
+            <a:ext cx="0" cy="138499"/>
+          </a:xfrm>
+          <a:prstGeom prst="rect">
+            <a:avLst/>
+          </a:prstGeom>
+          <a:noFill/>
+        </p:spPr>
+        <p:txBody>
+          <a:bodyPr vert="horz" wrap="square" lIns="0" tIns="0" rIns="0" bIns="0" rtlCol="0" anchor="ctr" anchorCtr="0">
+            <a:spAutoFit/>
+          </a:bodyPr>
+          <a:lstStyle/>
+          <a:p>
+            <a:pPr algn="ctr"/>
+            <a:endParaRPr lang="en-US" sz="900">
+              <a:solidFill>
+                <a:schemeClr val="accent1"/>
+              </a:solidFill>
+              <a:latin typeface="Century Gothic" panose="020B0502020202020204" pitchFamily="34" charset="0"/>
+            </a:endParaRPr>
+          </a:p>
+        </p:txBody>
+      </p:sp>
+      <p:sp>
+        <p:nvSpPr>
+          <p:cNvPr id="46641" name="OTLSHAPE_T_6a6e7149661c4d98ae22b9a84a20c0cd_Title"/>
+          <p:cNvSpPr txBox="1"/>
+          <p:nvPr>
+            <p:custDataLst>
+              <p:tags r:id="rId54"/>
+            </p:custDataLst>
+          </p:nvPr>
+        </p:nvSpPr>
+        <p:spPr>
+          <a:xfrm>
+            <a:off x="127000" y="2961047"/>
+            <a:ext cx="685800" cy="246221"/>
+          </a:xfrm>
+          <a:prstGeom prst="rect">
+            <a:avLst/>
+          </a:prstGeom>
+          <a:noFill/>
+        </p:spPr>
+        <p:txBody>
+          <a:bodyPr vert="horz" wrap="square" lIns="0" tIns="0" rIns="0" bIns="0" rtlCol="0" anchor="ctr" anchorCtr="0">
+            <a:spAutoFit/>
+          </a:bodyPr>
+          <a:lstStyle/>
+          <a:p>
+            <a:r>
+              <a:rPr lang="en-US" sz="800" spc="-6" dirty="0" smtClean="0">
+                <a:solidFill>
+                  <a:schemeClr val="dk2"/>
+                </a:solidFill>
+                <a:latin typeface="Century Gothic" panose="020B0502020202020204" pitchFamily="34" charset="0"/>
+              </a:rPr>
+              <a:t>Graphical Assets</a:t>
+            </a:r>
+            <a:endParaRPr lang="en-US" sz="800" spc="-6" dirty="0">
+              <a:solidFill>
+                <a:schemeClr val="dk2"/>
+              </a:solidFill>
+              <a:latin typeface="Century Gothic" panose="020B0502020202020204" pitchFamily="34" charset="0"/>
+            </a:endParaRPr>
+          </a:p>
+        </p:txBody>
+      </p:sp>
+      <p:sp>
+        <p:nvSpPr>
+          <p:cNvPr id="46642" name="OTLSHAPE_T_dbc50318743f4d6ba995fb3e7b4187d7_Shape"/>
+          <p:cNvSpPr/>
+          <p:nvPr>
+            <p:custDataLst>
+              <p:tags r:id="rId55"/>
+            </p:custDataLst>
+          </p:nvPr>
+        </p:nvSpPr>
+        <p:spPr>
+          <a:xfrm>
+            <a:off x="2663259" y="2950246"/>
+            <a:ext cx="7906557" cy="208502"/>
+          </a:xfrm>
+          <a:prstGeom prst="roundRect">
+            <a:avLst/>
+          </a:prstGeom>
+          <a:solidFill>
+            <a:schemeClr val="accent6"/>
+          </a:solidFill>
+          <a:ln w="12700" cap="flat" cmpd="sng" algn="ctr">
+            <a:noFill/>
+            <a:prstDash val="solid"/>
+            <a:miter lim="800000"/>
+          </a:ln>
+          <a:effectLst/>
+          <a:scene3d>
+            <a:camera prst="orthographicFront"/>
+            <a:lightRig rig="balanced" dir="t">
+              <a:rot lat="0" lon="0" rev="8700000"/>
+            </a:lightRig>
+          </a:scene3d>
+          <a:sp3d>
+            <a:bevelT w="165100" h="12700"/>
+          </a:sp3d>
+          <a:extLst>
+            <a:ext uri="{91240B29-F687-4f45-9708-019B960494DF}">
+              <a14:hiddenLine xmlns:a14="http://schemas.microsoft.com/office/drawing/2010/main" w="12700" cap="flat" cmpd="sng" algn="ctr">
+                <a:solidFill>
+                  <a:schemeClr val="accent1">
+                    <a:shade val="50000"/>
+                  </a:schemeClr>
+                </a:solidFill>
+                <a:prstDash val="solid"/>
+                <a:miter lim="800000"/>
+              </a14:hiddenLine>
+            </a:ext>
+            <a:ext uri="{AF507438-7753-43e0-B8FC-AC1667EBCBE1}">
+              <a14:hiddenEffects xmlns:a14="http://schemas.microsoft.com/office/drawing/2010/main">
+                <a:effectLst>
+                  <a:outerShdw>
+                    <a:scrgbClr r="0" g="0" b="0">
+                      <a:alpha val="50000"/>
+                    </a:scrgbClr>
+                  </a:outerShdw>
+                </a:effectLst>
+              </a14:hiddenEffects>
+            </a:ext>
+            <a:ext uri="{53640926-AAD7-44d8-BBD7-CCE9431645EC}">
+              <a14:shadowObscured xmlns:a14="http://schemas.microsoft.com/office/drawing/2010/main" val="1"/>
+            </a:ext>
+          </a:extLst>
+        </p:spPr>
+        <p:style>
+          <a:lnRef idx="2">
+            <a:schemeClr val="accent1">
+              <a:shade val="50000"/>
+            </a:schemeClr>
+          </a:lnRef>
+          <a:fillRef idx="1">
+            <a:schemeClr val="accent1"/>
+          </a:fillRef>
+          <a:effectRef idx="0">
+            <a:schemeClr val="accent1"/>
+          </a:effectRef>
+          <a:fontRef idx="minor">
+            <a:schemeClr val="lt1"/>
+          </a:fontRef>
+        </p:style>
+        <p:txBody>
+          <a:bodyPr rtlCol="0" anchor="ctr"/>
+          <a:lstStyle/>
+          <a:p>
+            <a:pPr algn="ctr"/>
+            <a:endParaRPr lang="en-US"/>
+          </a:p>
+        </p:txBody>
+      </p:sp>
+      <p:sp>
+        <p:nvSpPr>
+          <p:cNvPr id="46643" name="OTLSHAPE_T_dbc50318743f4d6ba995fb3e7b4187d7_ShapePercentage" hidden="1"/>
+          <p:cNvSpPr/>
+          <p:nvPr>
+            <p:custDataLst>
+              <p:tags r:id="rId56"/>
+            </p:custDataLst>
+          </p:nvPr>
+        </p:nvSpPr>
+        <p:spPr>
+          <a:xfrm>
+            <a:off x="6076292" y="2982007"/>
+            <a:ext cx="0" cy="0"/>
+          </a:xfrm>
+          <a:prstGeom prst="roundRect">
+            <a:avLst/>
+          </a:prstGeom>
+        </p:spPr>
+        <p:style>
+          <a:lnRef idx="2">
+            <a:schemeClr val="accent1">
+              <a:shade val="50000"/>
+            </a:schemeClr>
+          </a:lnRef>
+          <a:fillRef idx="1">
+            <a:schemeClr val="accent1"/>
+          </a:fillRef>
+          <a:effectRef idx="0">
+            <a:schemeClr val="accent1"/>
+          </a:effectRef>
+          <a:fontRef idx="minor">
+            <a:schemeClr val="lt1"/>
+          </a:fontRef>
+        </p:style>
+        <p:txBody>
+          <a:bodyPr rtlCol="0" anchor="ctr"/>
+          <a:lstStyle/>
+          <a:p>
+            <a:pPr algn="ctr"/>
+            <a:endParaRPr lang="en-US"/>
+          </a:p>
+        </p:txBody>
+      </p:sp>
+      <p:sp>
+        <p:nvSpPr>
+          <p:cNvPr id="46644" name="OTLSHAPE_T_dbc50318743f4d6ba995fb3e7b4187d7_TextPercentage" hidden="1"/>
+          <p:cNvSpPr txBox="1"/>
+          <p:nvPr>
+            <p:custDataLst>
+              <p:tags r:id="rId57"/>
+            </p:custDataLst>
+          </p:nvPr>
+        </p:nvSpPr>
+        <p:spPr>
+          <a:xfrm>
+            <a:off x="0" y="2982007"/>
+            <a:ext cx="0" cy="153888"/>
+          </a:xfrm>
+          <a:prstGeom prst="rect">
+            <a:avLst/>
+          </a:prstGeom>
+          <a:noFill/>
+        </p:spPr>
+        <p:txBody>
+          <a:bodyPr vert="horz" wrap="square" lIns="0" tIns="0" rIns="0" bIns="0" rtlCol="0" anchor="ctr" anchorCtr="0">
+            <a:spAutoFit/>
+          </a:bodyPr>
+          <a:lstStyle/>
+          <a:p>
+            <a:pPr algn="ctr"/>
+            <a:endParaRPr lang="en-US" sz="1000">
+              <a:solidFill>
+                <a:srgbClr val="C0504D"/>
+              </a:solidFill>
+              <a:latin typeface="Calibri" panose="020F0502020204030204" pitchFamily="34" charset="0"/>
+            </a:endParaRPr>
+          </a:p>
+        </p:txBody>
+      </p:sp>
+      <p:sp>
+        <p:nvSpPr>
+          <p:cNvPr id="46645" name="OTLSHAPE_T_dbc50318743f4d6ba995fb3e7b4187d7_StartDate" hidden="1"/>
+          <p:cNvSpPr txBox="1"/>
+          <p:nvPr>
+            <p:custDataLst>
+              <p:tags r:id="rId58"/>
+            </p:custDataLst>
+          </p:nvPr>
+        </p:nvSpPr>
+        <p:spPr>
+          <a:xfrm>
+            <a:off x="0" y="2982007"/>
+            <a:ext cx="0" cy="138499"/>
+          </a:xfrm>
+          <a:prstGeom prst="rect">
+            <a:avLst/>
+          </a:prstGeom>
+          <a:noFill/>
+        </p:spPr>
+        <p:txBody>
+          <a:bodyPr vert="horz" wrap="square" lIns="0" tIns="0" rIns="0" bIns="0" rtlCol="0" anchor="ctr" anchorCtr="0">
+            <a:spAutoFit/>
+          </a:bodyPr>
+          <a:lstStyle/>
+          <a:p>
+            <a:pPr algn="ctr"/>
+            <a:endParaRPr lang="en-US" sz="900">
+              <a:solidFill>
+                <a:schemeClr val="accent1"/>
+              </a:solidFill>
+              <a:latin typeface="Century Gothic" panose="020B0502020202020204" pitchFamily="34" charset="0"/>
+            </a:endParaRPr>
+          </a:p>
+        </p:txBody>
+      </p:sp>
+      <p:sp>
+        <p:nvSpPr>
+          <p:cNvPr id="46646" name="OTLSHAPE_T_dbc50318743f4d6ba995fb3e7b4187d7_EndDate" hidden="1"/>
+          <p:cNvSpPr txBox="1"/>
+          <p:nvPr>
+            <p:custDataLst>
+              <p:tags r:id="rId59"/>
+            </p:custDataLst>
+          </p:nvPr>
+        </p:nvSpPr>
+        <p:spPr>
+          <a:xfrm>
+            <a:off x="0" y="2982007"/>
+            <a:ext cx="0" cy="138499"/>
+          </a:xfrm>
+          <a:prstGeom prst="rect">
+            <a:avLst/>
+          </a:prstGeom>
+          <a:noFill/>
+        </p:spPr>
+        <p:txBody>
+          <a:bodyPr vert="horz" wrap="square" lIns="0" tIns="0" rIns="0" bIns="0" rtlCol="0" anchor="ctr" anchorCtr="0">
+            <a:spAutoFit/>
+          </a:bodyPr>
+          <a:lstStyle/>
+          <a:p>
+            <a:pPr algn="ctr"/>
+            <a:endParaRPr lang="en-US" sz="900">
+              <a:solidFill>
+                <a:schemeClr val="accent1"/>
+              </a:solidFill>
+              <a:latin typeface="Century Gothic" panose="020B0502020202020204" pitchFamily="34" charset="0"/>
+            </a:endParaRPr>
+          </a:p>
+        </p:txBody>
+      </p:sp>
+      <p:sp>
+        <p:nvSpPr>
+          <p:cNvPr id="46649" name="OTLSHAPE_T_dbc50318743f4d6ba995fb3e7b4187d7_Title"/>
+          <p:cNvSpPr txBox="1"/>
+          <p:nvPr>
+            <p:custDataLst>
+              <p:tags r:id="rId60"/>
+            </p:custDataLst>
+          </p:nvPr>
+        </p:nvSpPr>
+        <p:spPr>
+          <a:xfrm>
+            <a:off x="127000" y="3291247"/>
+            <a:ext cx="685800" cy="246221"/>
+          </a:xfrm>
+          <a:prstGeom prst="rect">
+            <a:avLst/>
+          </a:prstGeom>
+          <a:noFill/>
+        </p:spPr>
+        <p:txBody>
+          <a:bodyPr vert="horz" wrap="square" lIns="0" tIns="0" rIns="0" bIns="0" rtlCol="0" anchor="ctr" anchorCtr="0">
+            <a:spAutoFit/>
+          </a:bodyPr>
+          <a:lstStyle/>
+          <a:p>
+            <a:r>
+              <a:rPr lang="en-US" sz="800" b="1" spc="-6" dirty="0" smtClean="0">
+                <a:solidFill>
+                  <a:schemeClr val="dk2"/>
+                </a:solidFill>
+                <a:latin typeface="Century Gothic" panose="020B0502020202020204" pitchFamily="34" charset="0"/>
+              </a:rPr>
+              <a:t>Prototype </a:t>
+            </a:r>
+            <a:r>
+              <a:rPr lang="en-US" sz="800" b="1" spc="-6" dirty="0" err="1" smtClean="0">
+                <a:solidFill>
+                  <a:schemeClr val="dk2"/>
+                </a:solidFill>
+                <a:latin typeface="Century Gothic" panose="020B0502020202020204" pitchFamily="34" charset="0"/>
+              </a:rPr>
+              <a:t>Preperation</a:t>
+            </a:r>
+            <a:endParaRPr lang="en-US" sz="800" b="1" spc="-6" dirty="0">
+              <a:solidFill>
+                <a:schemeClr val="dk2"/>
+              </a:solidFill>
+              <a:latin typeface="Century Gothic" panose="020B0502020202020204" pitchFamily="34" charset="0"/>
+            </a:endParaRPr>
+          </a:p>
+        </p:txBody>
+      </p:sp>
+      <p:sp>
+        <p:nvSpPr>
+          <p:cNvPr id="46650" name="OTLSHAPE_T_d45e8f651eb34241b7613d55f188f72e_Shape"/>
+          <p:cNvSpPr/>
+          <p:nvPr>
+            <p:custDataLst>
+              <p:tags r:id="rId61"/>
+            </p:custDataLst>
+          </p:nvPr>
+        </p:nvSpPr>
+        <p:spPr>
+          <a:xfrm>
+            <a:off x="9935313" y="3294221"/>
+            <a:ext cx="1243030" cy="221186"/>
           </a:xfrm>
           <a:prstGeom prst="roundRect">
             <a:avLst/>
@@ -9009,17 +9817,17 @@
       </p:sp>
       <p:sp>
         <p:nvSpPr>
-          <p:cNvPr id="46619" name="OTLSHAPE_T_a521783cf3084313af760cd9c2923e3c_ShapePercentage" hidden="1"/>
+          <p:cNvPr id="46651" name="OTLSHAPE_T_d45e8f651eb34241b7613d55f188f72e_ShapePercentage" hidden="1"/>
           <p:cNvSpPr/>
           <p:nvPr>
             <p:custDataLst>
-              <p:tags r:id="rId45"/>
+              <p:tags r:id="rId62"/>
             </p:custDataLst>
           </p:nvPr>
         </p:nvSpPr>
         <p:spPr>
           <a:xfrm>
-            <a:off x="3041292" y="1991407"/>
+            <a:off x="6628111" y="3312207"/>
             <a:ext cx="0" cy="0"/>
           </a:xfrm>
           <a:prstGeom prst="roundRect">
@@ -9053,17 +9861,17 @@
       </p:sp>
       <p:sp>
         <p:nvSpPr>
-          <p:cNvPr id="46620" name="OTLSHAPE_T_a521783cf3084313af760cd9c2923e3c_TextPercentage" hidden="1"/>
+          <p:cNvPr id="46652" name="OTLSHAPE_T_d45e8f651eb34241b7613d55f188f72e_TextPercentage" hidden="1"/>
           <p:cNvSpPr txBox="1"/>
           <p:nvPr>
             <p:custDataLst>
-              <p:tags r:id="rId46"/>
+              <p:tags r:id="rId63"/>
             </p:custDataLst>
           </p:nvPr>
         </p:nvSpPr>
         <p:spPr>
           <a:xfrm>
-            <a:off x="0" y="1991407"/>
+            <a:off x="0" y="3312207"/>
             <a:ext cx="0" cy="153888"/>
           </a:xfrm>
           <a:prstGeom prst="rect">
@@ -9089,17 +9897,17 @@
       </p:sp>
       <p:sp>
         <p:nvSpPr>
-          <p:cNvPr id="46621" name="OTLSHAPE_T_a521783cf3084313af760cd9c2923e3c_StartDate" hidden="1"/>
+          <p:cNvPr id="46653" name="OTLSHAPE_T_d45e8f651eb34241b7613d55f188f72e_StartDate" hidden="1"/>
           <p:cNvSpPr txBox="1"/>
           <p:nvPr>
             <p:custDataLst>
-              <p:tags r:id="rId47"/>
+              <p:tags r:id="rId64"/>
             </p:custDataLst>
           </p:nvPr>
         </p:nvSpPr>
         <p:spPr>
           <a:xfrm>
-            <a:off x="0" y="1991407"/>
+            <a:off x="0" y="3312207"/>
             <a:ext cx="0" cy="138499"/>
           </a:xfrm>
           <a:prstGeom prst="rect">
@@ -9125,17 +9933,17 @@
       </p:sp>
       <p:sp>
         <p:nvSpPr>
-          <p:cNvPr id="46622" name="OTLSHAPE_T_a521783cf3084313af760cd9c2923e3c_EndDate" hidden="1"/>
+          <p:cNvPr id="46654" name="OTLSHAPE_T_d45e8f651eb34241b7613d55f188f72e_EndDate" hidden="1"/>
           <p:cNvSpPr txBox="1"/>
           <p:nvPr>
             <p:custDataLst>
-              <p:tags r:id="rId48"/>
+              <p:tags r:id="rId65"/>
             </p:custDataLst>
           </p:nvPr>
         </p:nvSpPr>
         <p:spPr>
           <a:xfrm>
-            <a:off x="0" y="1991407"/>
+            <a:off x="0" y="3312207"/>
             <a:ext cx="0" cy="138499"/>
           </a:xfrm>
           <a:prstGeom prst="rect">
@@ -9161,18 +9969,18 @@
       </p:sp>
       <p:sp>
         <p:nvSpPr>
-          <p:cNvPr id="46623" name="OTLSHAPE_T_a521783cf3084313af760cd9c2923e3c_JoinedDate"/>
+          <p:cNvPr id="46657" name="OTLSHAPE_T_d45e8f651eb34241b7613d55f188f72e_Title"/>
           <p:cNvSpPr txBox="1"/>
           <p:nvPr>
             <p:custDataLst>
-              <p:tags r:id="rId49"/>
+              <p:tags r:id="rId66"/>
             </p:custDataLst>
           </p:nvPr>
         </p:nvSpPr>
         <p:spPr>
           <a:xfrm>
-            <a:off x="4865794" y="2022946"/>
-            <a:ext cx="584200" cy="140123"/>
+            <a:off x="127000" y="3594986"/>
+            <a:ext cx="1341398" cy="246221"/>
           </a:xfrm>
           <a:prstGeom prst="rect">
             <a:avLst/>
@@ -9186,59 +9994,15 @@
           <a:lstStyle/>
           <a:p>
             <a:r>
-              <a:rPr lang="en-US" sz="900" spc="-6" smtClean="0">
-                <a:solidFill>
-                  <a:schemeClr val="accent1"/>
-                </a:solidFill>
-                <a:latin typeface="Century Gothic" panose="020B0502020202020204" pitchFamily="34" charset="0"/>
-              </a:rPr>
-              <a:t>7/30 - 9/12</a:t>
-            </a:r>
-            <a:endParaRPr lang="en-US" sz="900" spc="-6">
-              <a:solidFill>
-                <a:schemeClr val="accent1"/>
-              </a:solidFill>
-              <a:latin typeface="Century Gothic" panose="020B0502020202020204" pitchFamily="34" charset="0"/>
-            </a:endParaRPr>
-          </a:p>
-        </p:txBody>
-      </p:sp>
-      <p:sp>
-        <p:nvSpPr>
-          <p:cNvPr id="46625" name="OTLSHAPE_T_a521783cf3084313af760cd9c2923e3c_Title"/>
-          <p:cNvSpPr txBox="1"/>
-          <p:nvPr>
-            <p:custDataLst>
-              <p:tags r:id="rId50"/>
-            </p:custDataLst>
-          </p:nvPr>
-        </p:nvSpPr>
-        <p:spPr>
-          <a:xfrm>
-            <a:off x="127000" y="2015156"/>
-            <a:ext cx="723900" cy="155702"/>
-          </a:xfrm>
-          <a:prstGeom prst="rect">
-            <a:avLst/>
-          </a:prstGeom>
-          <a:noFill/>
-        </p:spPr>
-        <p:txBody>
-          <a:bodyPr vert="horz" wrap="square" lIns="0" tIns="0" rIns="0" bIns="0" rtlCol="0" anchor="ctr" anchorCtr="0">
-            <a:spAutoFit/>
-          </a:bodyPr>
-          <a:lstStyle/>
-          <a:p>
-            <a:r>
-              <a:rPr lang="en-US" sz="1000" spc="-6" dirty="0" smtClean="0">
+              <a:rPr lang="en-US" sz="800" spc="-6" dirty="0" smtClean="0">
                 <a:solidFill>
                   <a:schemeClr val="dk2"/>
                 </a:solidFill>
                 <a:latin typeface="Century Gothic" panose="020B0502020202020204" pitchFamily="34" charset="0"/>
               </a:rPr>
-              <a:t>Enemies</a:t>
-            </a:r>
-            <a:endParaRPr lang="en-US" sz="1000" spc="-6" dirty="0">
+              <a:t>Graphical Change/Power Ups Examples</a:t>
+            </a:r>
+            <a:endParaRPr lang="en-US" sz="800" spc="-6" dirty="0">
               <a:solidFill>
                 <a:schemeClr val="dk2"/>
               </a:solidFill>
@@ -9249,18 +10013,18 @@
       </p:sp>
       <p:sp>
         <p:nvSpPr>
-          <p:cNvPr id="46626" name="OTLSHAPE_T_9cde6d5d307b4df7b1464248cab7fef6_Shape"/>
+          <p:cNvPr id="46658" name="OTLSHAPE_T_3a4a23b568c54ea58c3d039b8ca1da1b_Shape"/>
           <p:cNvSpPr/>
           <p:nvPr>
             <p:custDataLst>
-              <p:tags r:id="rId51"/>
+              <p:tags r:id="rId67"/>
             </p:custDataLst>
           </p:nvPr>
         </p:nvSpPr>
         <p:spPr>
           <a:xfrm>
-            <a:off x="3869019" y="2321607"/>
-            <a:ext cx="1854200" cy="203200"/>
+            <a:off x="9918834" y="3642407"/>
+            <a:ext cx="1270000" cy="203200"/>
           </a:xfrm>
           <a:prstGeom prst="roundRect">
             <a:avLst/>
@@ -9338,17 +10102,17 @@
       </p:sp>
       <p:sp>
         <p:nvSpPr>
-          <p:cNvPr id="46627" name="OTLSHAPE_T_9cde6d5d307b4df7b1464248cab7fef6_ShapePercentage" hidden="1"/>
+          <p:cNvPr id="46659" name="OTLSHAPE_T_3a4a23b568c54ea58c3d039b8ca1da1b_ShapePercentage" hidden="1"/>
           <p:cNvSpPr/>
           <p:nvPr>
             <p:custDataLst>
-              <p:tags r:id="rId52"/>
+              <p:tags r:id="rId68"/>
             </p:custDataLst>
           </p:nvPr>
         </p:nvSpPr>
         <p:spPr>
           <a:xfrm>
-            <a:off x="3869019" y="2321607"/>
+            <a:off x="7101098" y="3642407"/>
             <a:ext cx="0" cy="0"/>
           </a:xfrm>
           <a:prstGeom prst="roundRect">
@@ -9382,17 +10146,17 @@
       </p:sp>
       <p:sp>
         <p:nvSpPr>
-          <p:cNvPr id="46628" name="OTLSHAPE_T_9cde6d5d307b4df7b1464248cab7fef6_TextPercentage" hidden="1"/>
+          <p:cNvPr id="46660" name="OTLSHAPE_T_3a4a23b568c54ea58c3d039b8ca1da1b_TextPercentage" hidden="1"/>
           <p:cNvSpPr txBox="1"/>
           <p:nvPr>
             <p:custDataLst>
-              <p:tags r:id="rId53"/>
+              <p:tags r:id="rId69"/>
             </p:custDataLst>
           </p:nvPr>
         </p:nvSpPr>
         <p:spPr>
           <a:xfrm>
-            <a:off x="0" y="2321607"/>
+            <a:off x="0" y="3642407"/>
             <a:ext cx="0" cy="153888"/>
           </a:xfrm>
           <a:prstGeom prst="rect">
@@ -9418,17 +10182,17 @@
       </p:sp>
       <p:sp>
         <p:nvSpPr>
-          <p:cNvPr id="46629" name="OTLSHAPE_T_9cde6d5d307b4df7b1464248cab7fef6_StartDate" hidden="1"/>
+          <p:cNvPr id="46661" name="OTLSHAPE_T_3a4a23b568c54ea58c3d039b8ca1da1b_StartDate" hidden="1"/>
           <p:cNvSpPr txBox="1"/>
           <p:nvPr>
             <p:custDataLst>
-              <p:tags r:id="rId54"/>
+              <p:tags r:id="rId70"/>
             </p:custDataLst>
           </p:nvPr>
         </p:nvSpPr>
         <p:spPr>
           <a:xfrm>
-            <a:off x="0" y="2321607"/>
+            <a:off x="0" y="3642407"/>
             <a:ext cx="0" cy="138499"/>
           </a:xfrm>
           <a:prstGeom prst="rect">
@@ -9454,17 +10218,17 @@
       </p:sp>
       <p:sp>
         <p:nvSpPr>
-          <p:cNvPr id="46630" name="OTLSHAPE_T_9cde6d5d307b4df7b1464248cab7fef6_EndDate" hidden="1"/>
+          <p:cNvPr id="46662" name="OTLSHAPE_T_3a4a23b568c54ea58c3d039b8ca1da1b_EndDate" hidden="1"/>
           <p:cNvSpPr txBox="1"/>
           <p:nvPr>
             <p:custDataLst>
-              <p:tags r:id="rId55"/>
+              <p:tags r:id="rId71"/>
             </p:custDataLst>
           </p:nvPr>
         </p:nvSpPr>
         <p:spPr>
           <a:xfrm>
-            <a:off x="0" y="2321607"/>
+            <a:off x="0" y="3642407"/>
             <a:ext cx="0" cy="138499"/>
           </a:xfrm>
           <a:prstGeom prst="rect">
@@ -9490,18 +10254,18 @@
       </p:sp>
       <p:sp>
         <p:nvSpPr>
-          <p:cNvPr id="46631" name="OTLSHAPE_T_9cde6d5d307b4df7b1464248cab7fef6_JoinedDate"/>
+          <p:cNvPr id="46665" name="OTLSHAPE_T_3a4a23b568c54ea58c3d039b8ca1da1b_Title"/>
           <p:cNvSpPr txBox="1"/>
           <p:nvPr>
             <p:custDataLst>
-              <p:tags r:id="rId56"/>
+              <p:tags r:id="rId72"/>
             </p:custDataLst>
           </p:nvPr>
         </p:nvSpPr>
         <p:spPr>
           <a:xfrm>
-            <a:off x="5772352" y="2353146"/>
-            <a:ext cx="584200" cy="140123"/>
+            <a:off x="127000" y="3986741"/>
+            <a:ext cx="762000" cy="123111"/>
           </a:xfrm>
           <a:prstGeom prst="rect">
             <a:avLst/>
@@ -9515,59 +10279,15 @@
           <a:lstStyle/>
           <a:p>
             <a:r>
-              <a:rPr lang="en-US" sz="900" spc="-6" smtClean="0">
-                <a:solidFill>
-                  <a:schemeClr val="accent1"/>
-                </a:solidFill>
-                <a:latin typeface="Century Gothic" panose="020B0502020202020204" pitchFamily="34" charset="0"/>
-              </a:rPr>
-              <a:t>8/20 - 10/5</a:t>
-            </a:r>
-            <a:endParaRPr lang="en-US" sz="900" spc="-6">
-              <a:solidFill>
-                <a:schemeClr val="accent1"/>
-              </a:solidFill>
-              <a:latin typeface="Century Gothic" panose="020B0502020202020204" pitchFamily="34" charset="0"/>
-            </a:endParaRPr>
-          </a:p>
-        </p:txBody>
-      </p:sp>
-      <p:sp>
-        <p:nvSpPr>
-          <p:cNvPr id="46633" name="OTLSHAPE_T_9cde6d5d307b4df7b1464248cab7fef6_Title"/>
-          <p:cNvSpPr txBox="1"/>
-          <p:nvPr>
-            <p:custDataLst>
-              <p:tags r:id="rId57"/>
-            </p:custDataLst>
-          </p:nvPr>
-        </p:nvSpPr>
-        <p:spPr>
-          <a:xfrm>
-            <a:off x="127000" y="2345356"/>
-            <a:ext cx="685800" cy="155702"/>
-          </a:xfrm>
-          <a:prstGeom prst="rect">
-            <a:avLst/>
-          </a:prstGeom>
-          <a:noFill/>
-        </p:spPr>
-        <p:txBody>
-          <a:bodyPr vert="horz" wrap="square" lIns="0" tIns="0" rIns="0" bIns="0" rtlCol="0" anchor="ctr" anchorCtr="0">
-            <a:spAutoFit/>
-          </a:bodyPr>
-          <a:lstStyle/>
-          <a:p>
-            <a:r>
-              <a:rPr lang="en-US" sz="1000" spc="-6" dirty="0" smtClean="0">
+              <a:rPr lang="en-US" sz="800" spc="-6" dirty="0" smtClean="0">
                 <a:solidFill>
                   <a:schemeClr val="dk2"/>
                 </a:solidFill>
                 <a:latin typeface="Century Gothic" panose="020B0502020202020204" pitchFamily="34" charset="0"/>
               </a:rPr>
-              <a:t>Platforms</a:t>
-            </a:r>
-            <a:endParaRPr lang="en-US" sz="1000" spc="-6" dirty="0">
+              <a:t>Fixing Bugs</a:t>
+            </a:r>
+            <a:endParaRPr lang="en-US" sz="800" spc="-6" dirty="0">
               <a:solidFill>
                 <a:schemeClr val="dk2"/>
               </a:solidFill>
@@ -9578,24 +10298,24 @@
       </p:sp>
       <p:sp>
         <p:nvSpPr>
-          <p:cNvPr id="46634" name="OTLSHAPE_T_6a6e7149661c4d98ae22b9a84a20c0cd_Shape"/>
+          <p:cNvPr id="46666" name="OTLSHAPE_T_50df4adda29a494cbe0e9e846865986b_Shape"/>
           <p:cNvSpPr/>
           <p:nvPr>
             <p:custDataLst>
-              <p:tags r:id="rId58"/>
+              <p:tags r:id="rId73"/>
             </p:custDataLst>
           </p:nvPr>
         </p:nvSpPr>
         <p:spPr>
           <a:xfrm>
-            <a:off x="4223760" y="2651807"/>
-            <a:ext cx="1892300" cy="203200"/>
+            <a:off x="9948063" y="3968942"/>
+            <a:ext cx="1217051" cy="193636"/>
           </a:xfrm>
           <a:prstGeom prst="roundRect">
             <a:avLst/>
           </a:prstGeom>
           <a:solidFill>
-            <a:schemeClr val="dk2"/>
+            <a:schemeClr val="accent6"/>
           </a:solidFill>
           <a:ln w="12700" cap="flat" cmpd="sng" algn="ctr">
             <a:noFill/>
@@ -9613,28 +10333,6 @@
             <a:bevelT w="165100" h="12700"/>
           </a:sp3d>
           <a:extLst>
-            <a:ext uri="{91240B29-F687-4f45-9708-019B960494DF}">
-              <a14:hiddenLine xmlns:a14="http://schemas.microsoft.com/office/drawing/2010/main" w="12700" cap="flat" cmpd="sng" algn="ctr">
-                <a:solidFill>
-                  <a:schemeClr val="accent1">
-                    <a:shade val="50000"/>
-                  </a:schemeClr>
-                </a:solidFill>
-                <a:prstDash val="solid"/>
-                <a:miter lim="800000"/>
-              </a14:hiddenLine>
-            </a:ext>
-            <a:ext uri="{AF507438-7753-43e0-B8FC-AC1667EBCBE1}">
-              <a14:hiddenEffects xmlns:a14="http://schemas.microsoft.com/office/drawing/2010/main">
-                <a:effectLst>
-                  <a:outerShdw>
-                    <a:scrgbClr r="0" g="0" b="0">
-                      <a:alpha val="50000"/>
-                    </a:scrgbClr>
-                  </a:outerShdw>
-                </a:effectLst>
-              </a14:hiddenEffects>
-            </a:ext>
             <a:ext uri="{53640926-AAD7-44d8-BBD7-CCE9431645EC}">
               <a14:shadowObscured xmlns:a14="http://schemas.microsoft.com/office/drawing/2010/main" val="1"/>
             </a:ext>
@@ -9667,17 +10365,17 @@
       </p:sp>
       <p:sp>
         <p:nvSpPr>
-          <p:cNvPr id="46635" name="OTLSHAPE_T_6a6e7149661c4d98ae22b9a84a20c0cd_ShapePercentage" hidden="1"/>
+          <p:cNvPr id="46667" name="OTLSHAPE_T_50df4adda29a494cbe0e9e846865986b_ShapePercentage" hidden="1"/>
           <p:cNvSpPr/>
           <p:nvPr>
             <p:custDataLst>
-              <p:tags r:id="rId59"/>
+              <p:tags r:id="rId74"/>
             </p:custDataLst>
           </p:nvPr>
         </p:nvSpPr>
         <p:spPr>
           <a:xfrm>
-            <a:off x="4223760" y="2651807"/>
+            <a:off x="8086488" y="3972607"/>
             <a:ext cx="0" cy="0"/>
           </a:xfrm>
           <a:prstGeom prst="roundRect">
@@ -9711,17 +10409,17 @@
       </p:sp>
       <p:sp>
         <p:nvSpPr>
-          <p:cNvPr id="46636" name="OTLSHAPE_T_6a6e7149661c4d98ae22b9a84a20c0cd_TextPercentage" hidden="1"/>
+          <p:cNvPr id="46668" name="OTLSHAPE_T_50df4adda29a494cbe0e9e846865986b_TextPercentage" hidden="1"/>
           <p:cNvSpPr txBox="1"/>
           <p:nvPr>
             <p:custDataLst>
-              <p:tags r:id="rId60"/>
+              <p:tags r:id="rId75"/>
             </p:custDataLst>
           </p:nvPr>
         </p:nvSpPr>
         <p:spPr>
           <a:xfrm>
-            <a:off x="0" y="2651807"/>
+            <a:off x="0" y="3972607"/>
             <a:ext cx="0" cy="153888"/>
           </a:xfrm>
           <a:prstGeom prst="rect">
@@ -9747,17 +10445,17 @@
       </p:sp>
       <p:sp>
         <p:nvSpPr>
-          <p:cNvPr id="46637" name="OTLSHAPE_T_6a6e7149661c4d98ae22b9a84a20c0cd_StartDate" hidden="1"/>
+          <p:cNvPr id="46669" name="OTLSHAPE_T_50df4adda29a494cbe0e9e846865986b_StartDate" hidden="1"/>
           <p:cNvSpPr txBox="1"/>
           <p:nvPr>
             <p:custDataLst>
-              <p:tags r:id="rId61"/>
+              <p:tags r:id="rId76"/>
             </p:custDataLst>
           </p:nvPr>
         </p:nvSpPr>
         <p:spPr>
           <a:xfrm>
-            <a:off x="0" y="2651807"/>
+            <a:off x="0" y="3972607"/>
             <a:ext cx="0" cy="138499"/>
           </a:xfrm>
           <a:prstGeom prst="rect">
@@ -9783,17 +10481,17 @@
       </p:sp>
       <p:sp>
         <p:nvSpPr>
-          <p:cNvPr id="46638" name="OTLSHAPE_T_6a6e7149661c4d98ae22b9a84a20c0cd_EndDate" hidden="1"/>
+          <p:cNvPr id="46670" name="OTLSHAPE_T_50df4adda29a494cbe0e9e846865986b_EndDate" hidden="1"/>
           <p:cNvSpPr txBox="1"/>
           <p:nvPr>
             <p:custDataLst>
-              <p:tags r:id="rId62"/>
+              <p:tags r:id="rId77"/>
             </p:custDataLst>
           </p:nvPr>
         </p:nvSpPr>
         <p:spPr>
           <a:xfrm>
-            <a:off x="0" y="2651807"/>
+            <a:off x="0" y="3972607"/>
             <a:ext cx="0" cy="138499"/>
           </a:xfrm>
           <a:prstGeom prst="rect">
@@ -9819,106 +10517,18 @@
       </p:sp>
       <p:sp>
         <p:nvSpPr>
-          <p:cNvPr id="46639" name="OTLSHAPE_T_6a6e7149661c4d98ae22b9a84a20c0cd_JoinedDate"/>
-          <p:cNvSpPr txBox="1"/>
+          <p:cNvPr id="46674" name="OTLSHAPE_T_eb954275c5b54be590bee3d17b0ce8a3_Shape"/>
+          <p:cNvSpPr/>
           <p:nvPr>
             <p:custDataLst>
-              <p:tags r:id="rId63"/>
+              <p:tags r:id="rId78"/>
             </p:custDataLst>
           </p:nvPr>
         </p:nvSpPr>
         <p:spPr>
           <a:xfrm>
-            <a:off x="6166508" y="2683346"/>
-            <a:ext cx="647700" cy="140123"/>
-          </a:xfrm>
-          <a:prstGeom prst="rect">
-            <a:avLst/>
-          </a:prstGeom>
-          <a:noFill/>
-        </p:spPr>
-        <p:txBody>
-          <a:bodyPr vert="horz" wrap="square" lIns="0" tIns="0" rIns="0" bIns="0" rtlCol="0" anchor="ctr" anchorCtr="0">
-            <a:spAutoFit/>
-          </a:bodyPr>
-          <a:lstStyle/>
-          <a:p>
-            <a:r>
-              <a:rPr lang="en-US" sz="900" spc="-4" smtClean="0">
-                <a:solidFill>
-                  <a:schemeClr val="accent1"/>
-                </a:solidFill>
-                <a:latin typeface="Century Gothic" panose="020B0502020202020204" pitchFamily="34" charset="0"/>
-              </a:rPr>
-              <a:t>8/29 - 10/15</a:t>
-            </a:r>
-            <a:endParaRPr lang="en-US" sz="900" spc="-4">
-              <a:solidFill>
-                <a:schemeClr val="accent1"/>
-              </a:solidFill>
-              <a:latin typeface="Century Gothic" panose="020B0502020202020204" pitchFamily="34" charset="0"/>
-            </a:endParaRPr>
-          </a:p>
-        </p:txBody>
-      </p:sp>
-      <p:sp>
-        <p:nvSpPr>
-          <p:cNvPr id="46641" name="OTLSHAPE_T_6a6e7149661c4d98ae22b9a84a20c0cd_Title"/>
-          <p:cNvSpPr txBox="1"/>
-          <p:nvPr>
-            <p:custDataLst>
-              <p:tags r:id="rId64"/>
-            </p:custDataLst>
-          </p:nvPr>
-        </p:nvSpPr>
-        <p:spPr>
-          <a:xfrm>
-            <a:off x="127000" y="2599519"/>
-            <a:ext cx="685800" cy="307777"/>
-          </a:xfrm>
-          <a:prstGeom prst="rect">
-            <a:avLst/>
-          </a:prstGeom>
-          <a:noFill/>
-        </p:spPr>
-        <p:txBody>
-          <a:bodyPr vert="horz" wrap="square" lIns="0" tIns="0" rIns="0" bIns="0" rtlCol="0" anchor="ctr" anchorCtr="0">
-            <a:spAutoFit/>
-          </a:bodyPr>
-          <a:lstStyle/>
-          <a:p>
-            <a:r>
-              <a:rPr lang="en-US" sz="1000" spc="-6" dirty="0" smtClean="0">
-                <a:solidFill>
-                  <a:schemeClr val="dk2"/>
-                </a:solidFill>
-                <a:latin typeface="Century Gothic" panose="020B0502020202020204" pitchFamily="34" charset="0"/>
-              </a:rPr>
-              <a:t>Graphical Assets</a:t>
-            </a:r>
-            <a:endParaRPr lang="en-US" sz="1000" spc="-6" dirty="0">
-              <a:solidFill>
-                <a:schemeClr val="dk2"/>
-              </a:solidFill>
-              <a:latin typeface="Century Gothic" panose="020B0502020202020204" pitchFamily="34" charset="0"/>
-            </a:endParaRPr>
-          </a:p>
-        </p:txBody>
-      </p:sp>
-      <p:sp>
-        <p:nvSpPr>
-          <p:cNvPr id="46642" name="OTLSHAPE_T_dbc50318743f4d6ba995fb3e7b4187d7_Shape"/>
-          <p:cNvSpPr/>
-          <p:nvPr>
-            <p:custDataLst>
-              <p:tags r:id="rId65"/>
-            </p:custDataLst>
-          </p:nvPr>
-        </p:nvSpPr>
-        <p:spPr>
-          <a:xfrm>
-            <a:off x="6076292" y="2982007"/>
-            <a:ext cx="876300" cy="203200"/>
+            <a:off x="9948063" y="4312915"/>
+            <a:ext cx="1231722" cy="193091"/>
           </a:xfrm>
           <a:prstGeom prst="roundRect">
             <a:avLst/>
@@ -9996,17 +10606,17 @@
       </p:sp>
       <p:sp>
         <p:nvSpPr>
-          <p:cNvPr id="46643" name="OTLSHAPE_T_dbc50318743f4d6ba995fb3e7b4187d7_ShapePercentage" hidden="1"/>
+          <p:cNvPr id="46675" name="OTLSHAPE_T_eb954275c5b54be590bee3d17b0ce8a3_ShapePercentage" hidden="1"/>
           <p:cNvSpPr/>
           <p:nvPr>
             <p:custDataLst>
-              <p:tags r:id="rId66"/>
+              <p:tags r:id="rId79"/>
             </p:custDataLst>
           </p:nvPr>
         </p:nvSpPr>
         <p:spPr>
           <a:xfrm>
-            <a:off x="6076292" y="2982007"/>
+            <a:off x="9190124" y="4302807"/>
             <a:ext cx="0" cy="0"/>
           </a:xfrm>
           <a:prstGeom prst="roundRect">
@@ -10040,17 +10650,17 @@
       </p:sp>
       <p:sp>
         <p:nvSpPr>
-          <p:cNvPr id="46644" name="OTLSHAPE_T_dbc50318743f4d6ba995fb3e7b4187d7_TextPercentage" hidden="1"/>
+          <p:cNvPr id="46676" name="OTLSHAPE_T_eb954275c5b54be590bee3d17b0ce8a3_TextPercentage" hidden="1"/>
           <p:cNvSpPr txBox="1"/>
           <p:nvPr>
             <p:custDataLst>
-              <p:tags r:id="rId67"/>
+              <p:tags r:id="rId80"/>
             </p:custDataLst>
           </p:nvPr>
         </p:nvSpPr>
         <p:spPr>
           <a:xfrm>
-            <a:off x="0" y="2982007"/>
+            <a:off x="0" y="4302807"/>
             <a:ext cx="0" cy="153888"/>
           </a:xfrm>
           <a:prstGeom prst="rect">
@@ -10076,17 +10686,17 @@
       </p:sp>
       <p:sp>
         <p:nvSpPr>
-          <p:cNvPr id="46645" name="OTLSHAPE_T_dbc50318743f4d6ba995fb3e7b4187d7_StartDate" hidden="1"/>
+          <p:cNvPr id="46677" name="OTLSHAPE_T_eb954275c5b54be590bee3d17b0ce8a3_StartDate" hidden="1"/>
           <p:cNvSpPr txBox="1"/>
           <p:nvPr>
             <p:custDataLst>
-              <p:tags r:id="rId68"/>
+              <p:tags r:id="rId81"/>
             </p:custDataLst>
           </p:nvPr>
         </p:nvSpPr>
         <p:spPr>
           <a:xfrm>
-            <a:off x="0" y="2982007"/>
+            <a:off x="0" y="4302807"/>
             <a:ext cx="0" cy="138499"/>
           </a:xfrm>
           <a:prstGeom prst="rect">
@@ -10112,17 +10722,17 @@
       </p:sp>
       <p:sp>
         <p:nvSpPr>
-          <p:cNvPr id="46646" name="OTLSHAPE_T_dbc50318743f4d6ba995fb3e7b4187d7_EndDate" hidden="1"/>
+          <p:cNvPr id="46678" name="OTLSHAPE_T_eb954275c5b54be590bee3d17b0ce8a3_EndDate" hidden="1"/>
           <p:cNvSpPr txBox="1"/>
           <p:nvPr>
             <p:custDataLst>
-              <p:tags r:id="rId69"/>
+              <p:tags r:id="rId82"/>
             </p:custDataLst>
           </p:nvPr>
         </p:nvSpPr>
         <p:spPr>
           <a:xfrm>
-            <a:off x="0" y="2982007"/>
+            <a:off x="0" y="4302807"/>
             <a:ext cx="0" cy="138499"/>
           </a:xfrm>
           <a:prstGeom prst="rect">
@@ -10148,1415 +10758,11 @@
       </p:sp>
       <p:sp>
         <p:nvSpPr>
-          <p:cNvPr id="46647" name="OTLSHAPE_T_dbc50318743f4d6ba995fb3e7b4187d7_JoinedDate"/>
-          <p:cNvSpPr txBox="1"/>
-          <p:nvPr>
-            <p:custDataLst>
-              <p:tags r:id="rId70"/>
-            </p:custDataLst>
-          </p:nvPr>
-        </p:nvSpPr>
-        <p:spPr>
-          <a:xfrm>
-            <a:off x="6994235" y="3013546"/>
-            <a:ext cx="647700" cy="140123"/>
-          </a:xfrm>
-          <a:prstGeom prst="rect">
-            <a:avLst/>
-          </a:prstGeom>
-          <a:noFill/>
-        </p:spPr>
-        <p:txBody>
-          <a:bodyPr vert="horz" wrap="square" lIns="0" tIns="0" rIns="0" bIns="0" rtlCol="0" anchor="ctr" anchorCtr="0">
-            <a:spAutoFit/>
-          </a:bodyPr>
-          <a:lstStyle/>
-          <a:p>
-            <a:r>
-              <a:rPr lang="en-US" sz="900" spc="-4" smtClean="0">
-                <a:solidFill>
-                  <a:schemeClr val="accent1"/>
-                </a:solidFill>
-                <a:latin typeface="Century Gothic" panose="020B0502020202020204" pitchFamily="34" charset="0"/>
-              </a:rPr>
-              <a:t>10/15 - 11/5</a:t>
-            </a:r>
-            <a:endParaRPr lang="en-US" sz="900" spc="-4">
-              <a:solidFill>
-                <a:schemeClr val="accent1"/>
-              </a:solidFill>
-              <a:latin typeface="Century Gothic" panose="020B0502020202020204" pitchFamily="34" charset="0"/>
-            </a:endParaRPr>
-          </a:p>
-        </p:txBody>
-      </p:sp>
-      <p:sp>
-        <p:nvSpPr>
-          <p:cNvPr id="46649" name="OTLSHAPE_T_dbc50318743f4d6ba995fb3e7b4187d7_Title"/>
-          <p:cNvSpPr txBox="1"/>
-          <p:nvPr>
-            <p:custDataLst>
-              <p:tags r:id="rId71"/>
-            </p:custDataLst>
-          </p:nvPr>
-        </p:nvSpPr>
-        <p:spPr>
-          <a:xfrm>
-            <a:off x="127000" y="3005756"/>
-            <a:ext cx="685800" cy="155702"/>
-          </a:xfrm>
-          <a:prstGeom prst="rect">
-            <a:avLst/>
-          </a:prstGeom>
-          <a:noFill/>
-        </p:spPr>
-        <p:txBody>
-          <a:bodyPr vert="horz" wrap="square" lIns="0" tIns="0" rIns="0" bIns="0" rtlCol="0" anchor="ctr" anchorCtr="0">
-            <a:spAutoFit/>
-          </a:bodyPr>
-          <a:lstStyle/>
-          <a:p>
-            <a:r>
-              <a:rPr lang="en-US" sz="1000" spc="-6" smtClean="0">
-                <a:solidFill>
-                  <a:schemeClr val="dk2"/>
-                </a:solidFill>
-                <a:latin typeface="Century Gothic" panose="020B0502020202020204" pitchFamily="34" charset="0"/>
-              </a:rPr>
-              <a:t>Task 8 Here</a:t>
-            </a:r>
-            <a:endParaRPr lang="en-US" sz="1000" spc="-6">
-              <a:solidFill>
-                <a:schemeClr val="dk2"/>
-              </a:solidFill>
-              <a:latin typeface="Century Gothic" panose="020B0502020202020204" pitchFamily="34" charset="0"/>
-            </a:endParaRPr>
-          </a:p>
-        </p:txBody>
-      </p:sp>
-      <p:sp>
-        <p:nvSpPr>
-          <p:cNvPr id="46650" name="OTLSHAPE_T_d45e8f651eb34241b7613d55f188f72e_Shape"/>
-          <p:cNvSpPr/>
-          <p:nvPr>
-            <p:custDataLst>
-              <p:tags r:id="rId72"/>
-            </p:custDataLst>
-          </p:nvPr>
-        </p:nvSpPr>
-        <p:spPr>
-          <a:xfrm>
-            <a:off x="6628111" y="3312207"/>
-            <a:ext cx="1587500" cy="203200"/>
-          </a:xfrm>
-          <a:prstGeom prst="roundRect">
-            <a:avLst/>
-          </a:prstGeom>
-          <a:solidFill>
-            <a:schemeClr val="dk2"/>
-          </a:solidFill>
-          <a:ln w="12700" cap="flat" cmpd="sng" algn="ctr">
-            <a:noFill/>
-            <a:prstDash val="solid"/>
-            <a:miter lim="800000"/>
-          </a:ln>
-          <a:effectLst/>
-          <a:scene3d>
-            <a:camera prst="orthographicFront"/>
-            <a:lightRig rig="balanced" dir="t">
-              <a:rot lat="0" lon="0" rev="8700000"/>
-            </a:lightRig>
-          </a:scene3d>
-          <a:sp3d>
-            <a:bevelT w="165100" h="12700"/>
-          </a:sp3d>
-          <a:extLst>
-            <a:ext uri="{91240B29-F687-4f45-9708-019B960494DF}">
-              <a14:hiddenLine xmlns:a14="http://schemas.microsoft.com/office/drawing/2010/main" w="12700" cap="flat" cmpd="sng" algn="ctr">
-                <a:solidFill>
-                  <a:schemeClr val="accent1">
-                    <a:shade val="50000"/>
-                  </a:schemeClr>
-                </a:solidFill>
-                <a:prstDash val="solid"/>
-                <a:miter lim="800000"/>
-              </a14:hiddenLine>
-            </a:ext>
-            <a:ext uri="{AF507438-7753-43e0-B8FC-AC1667EBCBE1}">
-              <a14:hiddenEffects xmlns:a14="http://schemas.microsoft.com/office/drawing/2010/main">
-                <a:effectLst>
-                  <a:outerShdw>
-                    <a:scrgbClr r="0" g="0" b="0">
-                      <a:alpha val="50000"/>
-                    </a:scrgbClr>
-                  </a:outerShdw>
-                </a:effectLst>
-              </a14:hiddenEffects>
-            </a:ext>
-            <a:ext uri="{53640926-AAD7-44d8-BBD7-CCE9431645EC}">
-              <a14:shadowObscured xmlns:a14="http://schemas.microsoft.com/office/drawing/2010/main" val="1"/>
-            </a:ext>
-          </a:extLst>
-        </p:spPr>
-        <p:style>
-          <a:lnRef idx="2">
-            <a:schemeClr val="accent1">
-              <a:shade val="50000"/>
-            </a:schemeClr>
-          </a:lnRef>
-          <a:fillRef idx="1">
-            <a:schemeClr val="accent1"/>
-          </a:fillRef>
-          <a:effectRef idx="0">
-            <a:schemeClr val="accent1"/>
-          </a:effectRef>
-          <a:fontRef idx="minor">
-            <a:schemeClr val="lt1"/>
-          </a:fontRef>
-        </p:style>
-        <p:txBody>
-          <a:bodyPr rtlCol="0" anchor="ctr"/>
-          <a:lstStyle/>
-          <a:p>
-            <a:pPr algn="ctr"/>
-            <a:endParaRPr lang="en-US"/>
-          </a:p>
-        </p:txBody>
-      </p:sp>
-      <p:sp>
-        <p:nvSpPr>
-          <p:cNvPr id="46651" name="OTLSHAPE_T_d45e8f651eb34241b7613d55f188f72e_ShapePercentage" hidden="1"/>
-          <p:cNvSpPr/>
-          <p:nvPr>
-            <p:custDataLst>
-              <p:tags r:id="rId73"/>
-            </p:custDataLst>
-          </p:nvPr>
-        </p:nvSpPr>
-        <p:spPr>
-          <a:xfrm>
-            <a:off x="6628111" y="3312207"/>
-            <a:ext cx="0" cy="0"/>
-          </a:xfrm>
-          <a:prstGeom prst="roundRect">
-            <a:avLst/>
-          </a:prstGeom>
-        </p:spPr>
-        <p:style>
-          <a:lnRef idx="2">
-            <a:schemeClr val="accent1">
-              <a:shade val="50000"/>
-            </a:schemeClr>
-          </a:lnRef>
-          <a:fillRef idx="1">
-            <a:schemeClr val="accent1"/>
-          </a:fillRef>
-          <a:effectRef idx="0">
-            <a:schemeClr val="accent1"/>
-          </a:effectRef>
-          <a:fontRef idx="minor">
-            <a:schemeClr val="lt1"/>
-          </a:fontRef>
-        </p:style>
-        <p:txBody>
-          <a:bodyPr rtlCol="0" anchor="ctr"/>
-          <a:lstStyle/>
-          <a:p>
-            <a:pPr algn="ctr"/>
-            <a:endParaRPr lang="en-US"/>
-          </a:p>
-        </p:txBody>
-      </p:sp>
-      <p:sp>
-        <p:nvSpPr>
-          <p:cNvPr id="46652" name="OTLSHAPE_T_d45e8f651eb34241b7613d55f188f72e_TextPercentage" hidden="1"/>
-          <p:cNvSpPr txBox="1"/>
-          <p:nvPr>
-            <p:custDataLst>
-              <p:tags r:id="rId74"/>
-            </p:custDataLst>
-          </p:nvPr>
-        </p:nvSpPr>
-        <p:spPr>
-          <a:xfrm>
-            <a:off x="0" y="3312207"/>
-            <a:ext cx="0" cy="153888"/>
-          </a:xfrm>
-          <a:prstGeom prst="rect">
-            <a:avLst/>
-          </a:prstGeom>
-          <a:noFill/>
-        </p:spPr>
-        <p:txBody>
-          <a:bodyPr vert="horz" wrap="square" lIns="0" tIns="0" rIns="0" bIns="0" rtlCol="0" anchor="ctr" anchorCtr="0">
-            <a:spAutoFit/>
-          </a:bodyPr>
-          <a:lstStyle/>
-          <a:p>
-            <a:pPr algn="ctr"/>
-            <a:endParaRPr lang="en-US" sz="1000">
-              <a:solidFill>
-                <a:srgbClr val="C0504D"/>
-              </a:solidFill>
-              <a:latin typeface="Calibri" panose="020F0502020204030204" pitchFamily="34" charset="0"/>
-            </a:endParaRPr>
-          </a:p>
-        </p:txBody>
-      </p:sp>
-      <p:sp>
-        <p:nvSpPr>
-          <p:cNvPr id="46653" name="OTLSHAPE_T_d45e8f651eb34241b7613d55f188f72e_StartDate" hidden="1"/>
-          <p:cNvSpPr txBox="1"/>
-          <p:nvPr>
-            <p:custDataLst>
-              <p:tags r:id="rId75"/>
-            </p:custDataLst>
-          </p:nvPr>
-        </p:nvSpPr>
-        <p:spPr>
-          <a:xfrm>
-            <a:off x="0" y="3312207"/>
-            <a:ext cx="0" cy="138499"/>
-          </a:xfrm>
-          <a:prstGeom prst="rect">
-            <a:avLst/>
-          </a:prstGeom>
-          <a:noFill/>
-        </p:spPr>
-        <p:txBody>
-          <a:bodyPr vert="horz" wrap="square" lIns="0" tIns="0" rIns="0" bIns="0" rtlCol="0" anchor="ctr" anchorCtr="0">
-            <a:spAutoFit/>
-          </a:bodyPr>
-          <a:lstStyle/>
-          <a:p>
-            <a:pPr algn="ctr"/>
-            <a:endParaRPr lang="en-US" sz="900">
-              <a:solidFill>
-                <a:schemeClr val="accent1"/>
-              </a:solidFill>
-              <a:latin typeface="Century Gothic" panose="020B0502020202020204" pitchFamily="34" charset="0"/>
-            </a:endParaRPr>
-          </a:p>
-        </p:txBody>
-      </p:sp>
-      <p:sp>
-        <p:nvSpPr>
-          <p:cNvPr id="46654" name="OTLSHAPE_T_d45e8f651eb34241b7613d55f188f72e_EndDate" hidden="1"/>
-          <p:cNvSpPr txBox="1"/>
-          <p:nvPr>
-            <p:custDataLst>
-              <p:tags r:id="rId76"/>
-            </p:custDataLst>
-          </p:nvPr>
-        </p:nvSpPr>
-        <p:spPr>
-          <a:xfrm>
-            <a:off x="0" y="3312207"/>
-            <a:ext cx="0" cy="138499"/>
-          </a:xfrm>
-          <a:prstGeom prst="rect">
-            <a:avLst/>
-          </a:prstGeom>
-          <a:noFill/>
-        </p:spPr>
-        <p:txBody>
-          <a:bodyPr vert="horz" wrap="square" lIns="0" tIns="0" rIns="0" bIns="0" rtlCol="0" anchor="ctr" anchorCtr="0">
-            <a:spAutoFit/>
-          </a:bodyPr>
-          <a:lstStyle/>
-          <a:p>
-            <a:pPr algn="ctr"/>
-            <a:endParaRPr lang="en-US" sz="900">
-              <a:solidFill>
-                <a:schemeClr val="accent1"/>
-              </a:solidFill>
-              <a:latin typeface="Century Gothic" panose="020B0502020202020204" pitchFamily="34" charset="0"/>
-            </a:endParaRPr>
-          </a:p>
-        </p:txBody>
-      </p:sp>
-      <p:sp>
-        <p:nvSpPr>
-          <p:cNvPr id="46655" name="OTLSHAPE_T_d45e8f651eb34241b7613d55f188f72e_JoinedDate"/>
-          <p:cNvSpPr txBox="1"/>
-          <p:nvPr>
-            <p:custDataLst>
-              <p:tags r:id="rId77"/>
-            </p:custDataLst>
-          </p:nvPr>
-        </p:nvSpPr>
-        <p:spPr>
-          <a:xfrm>
-            <a:off x="8255534" y="3343746"/>
-            <a:ext cx="647700" cy="140123"/>
-          </a:xfrm>
-          <a:prstGeom prst="rect">
-            <a:avLst/>
-          </a:prstGeom>
-          <a:noFill/>
-        </p:spPr>
-        <p:txBody>
-          <a:bodyPr vert="horz" wrap="square" lIns="0" tIns="0" rIns="0" bIns="0" rtlCol="0" anchor="ctr" anchorCtr="0">
-            <a:spAutoFit/>
-          </a:bodyPr>
-          <a:lstStyle/>
-          <a:p>
-            <a:r>
-              <a:rPr lang="en-US" sz="900" spc="-4" smtClean="0">
-                <a:solidFill>
-                  <a:schemeClr val="accent1"/>
-                </a:solidFill>
-                <a:latin typeface="Century Gothic" panose="020B0502020202020204" pitchFamily="34" charset="0"/>
-              </a:rPr>
-              <a:t>10/29 - 12/7</a:t>
-            </a:r>
-            <a:endParaRPr lang="en-US" sz="900" spc="-4">
-              <a:solidFill>
-                <a:schemeClr val="accent1"/>
-              </a:solidFill>
-              <a:latin typeface="Century Gothic" panose="020B0502020202020204" pitchFamily="34" charset="0"/>
-            </a:endParaRPr>
-          </a:p>
-        </p:txBody>
-      </p:sp>
-      <p:sp>
-        <p:nvSpPr>
-          <p:cNvPr id="46657" name="OTLSHAPE_T_d45e8f651eb34241b7613d55f188f72e_Title"/>
-          <p:cNvSpPr txBox="1"/>
-          <p:nvPr>
-            <p:custDataLst>
-              <p:tags r:id="rId78"/>
-            </p:custDataLst>
-          </p:nvPr>
-        </p:nvSpPr>
-        <p:spPr>
-          <a:xfrm>
-            <a:off x="127000" y="3335956"/>
-            <a:ext cx="685800" cy="155702"/>
-          </a:xfrm>
-          <a:prstGeom prst="rect">
-            <a:avLst/>
-          </a:prstGeom>
-          <a:noFill/>
-        </p:spPr>
-        <p:txBody>
-          <a:bodyPr vert="horz" wrap="square" lIns="0" tIns="0" rIns="0" bIns="0" rtlCol="0" anchor="ctr" anchorCtr="0">
-            <a:spAutoFit/>
-          </a:bodyPr>
-          <a:lstStyle/>
-          <a:p>
-            <a:r>
-              <a:rPr lang="en-US" sz="1000" spc="-6" smtClean="0">
-                <a:solidFill>
-                  <a:schemeClr val="dk2"/>
-                </a:solidFill>
-                <a:latin typeface="Century Gothic" panose="020B0502020202020204" pitchFamily="34" charset="0"/>
-              </a:rPr>
-              <a:t>Task 9 Here</a:t>
-            </a:r>
-            <a:endParaRPr lang="en-US" sz="1000" spc="-6">
-              <a:solidFill>
-                <a:schemeClr val="dk2"/>
-              </a:solidFill>
-              <a:latin typeface="Century Gothic" panose="020B0502020202020204" pitchFamily="34" charset="0"/>
-            </a:endParaRPr>
-          </a:p>
-        </p:txBody>
-      </p:sp>
-      <p:sp>
-        <p:nvSpPr>
-          <p:cNvPr id="46658" name="OTLSHAPE_T_3a4a23b568c54ea58c3d039b8ca1da1b_Shape"/>
-          <p:cNvSpPr/>
-          <p:nvPr>
-            <p:custDataLst>
-              <p:tags r:id="rId79"/>
-            </p:custDataLst>
-          </p:nvPr>
-        </p:nvSpPr>
-        <p:spPr>
-          <a:xfrm>
-            <a:off x="7101098" y="3642407"/>
-            <a:ext cx="1270000" cy="203200"/>
-          </a:xfrm>
-          <a:prstGeom prst="roundRect">
-            <a:avLst/>
-          </a:prstGeom>
-          <a:solidFill>
-            <a:schemeClr val="accent6"/>
-          </a:solidFill>
-          <a:ln w="12700" cap="flat" cmpd="sng" algn="ctr">
-            <a:noFill/>
-            <a:prstDash val="solid"/>
-            <a:miter lim="800000"/>
-          </a:ln>
-          <a:effectLst/>
-          <a:scene3d>
-            <a:camera prst="orthographicFront"/>
-            <a:lightRig rig="balanced" dir="t">
-              <a:rot lat="0" lon="0" rev="8700000"/>
-            </a:lightRig>
-          </a:scene3d>
-          <a:sp3d>
-            <a:bevelT w="165100" h="12700"/>
-          </a:sp3d>
-          <a:extLst>
-            <a:ext uri="{91240B29-F687-4f45-9708-019B960494DF}">
-              <a14:hiddenLine xmlns:a14="http://schemas.microsoft.com/office/drawing/2010/main" w="12700" cap="flat" cmpd="sng" algn="ctr">
-                <a:solidFill>
-                  <a:schemeClr val="accent1">
-                    <a:shade val="50000"/>
-                  </a:schemeClr>
-                </a:solidFill>
-                <a:prstDash val="solid"/>
-                <a:miter lim="800000"/>
-              </a14:hiddenLine>
-            </a:ext>
-            <a:ext uri="{AF507438-7753-43e0-B8FC-AC1667EBCBE1}">
-              <a14:hiddenEffects xmlns:a14="http://schemas.microsoft.com/office/drawing/2010/main">
-                <a:effectLst>
-                  <a:outerShdw>
-                    <a:scrgbClr r="0" g="0" b="0">
-                      <a:alpha val="50000"/>
-                    </a:scrgbClr>
-                  </a:outerShdw>
-                </a:effectLst>
-              </a14:hiddenEffects>
-            </a:ext>
-            <a:ext uri="{53640926-AAD7-44d8-BBD7-CCE9431645EC}">
-              <a14:shadowObscured xmlns:a14="http://schemas.microsoft.com/office/drawing/2010/main" val="1"/>
-            </a:ext>
-          </a:extLst>
-        </p:spPr>
-        <p:style>
-          <a:lnRef idx="2">
-            <a:schemeClr val="accent1">
-              <a:shade val="50000"/>
-            </a:schemeClr>
-          </a:lnRef>
-          <a:fillRef idx="1">
-            <a:schemeClr val="accent1"/>
-          </a:fillRef>
-          <a:effectRef idx="0">
-            <a:schemeClr val="accent1"/>
-          </a:effectRef>
-          <a:fontRef idx="minor">
-            <a:schemeClr val="lt1"/>
-          </a:fontRef>
-        </p:style>
-        <p:txBody>
-          <a:bodyPr rtlCol="0" anchor="ctr"/>
-          <a:lstStyle/>
-          <a:p>
-            <a:pPr algn="ctr"/>
-            <a:endParaRPr lang="en-US"/>
-          </a:p>
-        </p:txBody>
-      </p:sp>
-      <p:sp>
-        <p:nvSpPr>
-          <p:cNvPr id="46659" name="OTLSHAPE_T_3a4a23b568c54ea58c3d039b8ca1da1b_ShapePercentage" hidden="1"/>
-          <p:cNvSpPr/>
-          <p:nvPr>
-            <p:custDataLst>
-              <p:tags r:id="rId80"/>
-            </p:custDataLst>
-          </p:nvPr>
-        </p:nvSpPr>
-        <p:spPr>
-          <a:xfrm>
-            <a:off x="7101098" y="3642407"/>
-            <a:ext cx="0" cy="0"/>
-          </a:xfrm>
-          <a:prstGeom prst="roundRect">
-            <a:avLst/>
-          </a:prstGeom>
-        </p:spPr>
-        <p:style>
-          <a:lnRef idx="2">
-            <a:schemeClr val="accent1">
-              <a:shade val="50000"/>
-            </a:schemeClr>
-          </a:lnRef>
-          <a:fillRef idx="1">
-            <a:schemeClr val="accent1"/>
-          </a:fillRef>
-          <a:effectRef idx="0">
-            <a:schemeClr val="accent1"/>
-          </a:effectRef>
-          <a:fontRef idx="minor">
-            <a:schemeClr val="lt1"/>
-          </a:fontRef>
-        </p:style>
-        <p:txBody>
-          <a:bodyPr rtlCol="0" anchor="ctr"/>
-          <a:lstStyle/>
-          <a:p>
-            <a:pPr algn="ctr"/>
-            <a:endParaRPr lang="en-US"/>
-          </a:p>
-        </p:txBody>
-      </p:sp>
-      <p:sp>
-        <p:nvSpPr>
-          <p:cNvPr id="46660" name="OTLSHAPE_T_3a4a23b568c54ea58c3d039b8ca1da1b_TextPercentage" hidden="1"/>
-          <p:cNvSpPr txBox="1"/>
-          <p:nvPr>
-            <p:custDataLst>
-              <p:tags r:id="rId81"/>
-            </p:custDataLst>
-          </p:nvPr>
-        </p:nvSpPr>
-        <p:spPr>
-          <a:xfrm>
-            <a:off x="0" y="3642407"/>
-            <a:ext cx="0" cy="153888"/>
-          </a:xfrm>
-          <a:prstGeom prst="rect">
-            <a:avLst/>
-          </a:prstGeom>
-          <a:noFill/>
-        </p:spPr>
-        <p:txBody>
-          <a:bodyPr vert="horz" wrap="square" lIns="0" tIns="0" rIns="0" bIns="0" rtlCol="0" anchor="ctr" anchorCtr="0">
-            <a:spAutoFit/>
-          </a:bodyPr>
-          <a:lstStyle/>
-          <a:p>
-            <a:pPr algn="ctr"/>
-            <a:endParaRPr lang="en-US" sz="1000">
-              <a:solidFill>
-                <a:srgbClr val="C0504D"/>
-              </a:solidFill>
-              <a:latin typeface="Calibri" panose="020F0502020204030204" pitchFamily="34" charset="0"/>
-            </a:endParaRPr>
-          </a:p>
-        </p:txBody>
-      </p:sp>
-      <p:sp>
-        <p:nvSpPr>
-          <p:cNvPr id="46661" name="OTLSHAPE_T_3a4a23b568c54ea58c3d039b8ca1da1b_StartDate" hidden="1"/>
-          <p:cNvSpPr txBox="1"/>
-          <p:nvPr>
-            <p:custDataLst>
-              <p:tags r:id="rId82"/>
-            </p:custDataLst>
-          </p:nvPr>
-        </p:nvSpPr>
-        <p:spPr>
-          <a:xfrm>
-            <a:off x="0" y="3642407"/>
-            <a:ext cx="0" cy="138499"/>
-          </a:xfrm>
-          <a:prstGeom prst="rect">
-            <a:avLst/>
-          </a:prstGeom>
-          <a:noFill/>
-        </p:spPr>
-        <p:txBody>
-          <a:bodyPr vert="horz" wrap="square" lIns="0" tIns="0" rIns="0" bIns="0" rtlCol="0" anchor="ctr" anchorCtr="0">
-            <a:spAutoFit/>
-          </a:bodyPr>
-          <a:lstStyle/>
-          <a:p>
-            <a:pPr algn="ctr"/>
-            <a:endParaRPr lang="en-US" sz="900">
-              <a:solidFill>
-                <a:schemeClr val="accent1"/>
-              </a:solidFill>
-              <a:latin typeface="Century Gothic" panose="020B0502020202020204" pitchFamily="34" charset="0"/>
-            </a:endParaRPr>
-          </a:p>
-        </p:txBody>
-      </p:sp>
-      <p:sp>
-        <p:nvSpPr>
-          <p:cNvPr id="46662" name="OTLSHAPE_T_3a4a23b568c54ea58c3d039b8ca1da1b_EndDate" hidden="1"/>
+          <p:cNvPr id="160" name="OTLSHAPE_TB_00000000000000000000000000000000_RightEndCaps"/>
           <p:cNvSpPr txBox="1"/>
           <p:nvPr>
             <p:custDataLst>
               <p:tags r:id="rId83"/>
-            </p:custDataLst>
-          </p:nvPr>
-        </p:nvSpPr>
-        <p:spPr>
-          <a:xfrm>
-            <a:off x="0" y="3642407"/>
-            <a:ext cx="0" cy="138499"/>
-          </a:xfrm>
-          <a:prstGeom prst="rect">
-            <a:avLst/>
-          </a:prstGeom>
-          <a:noFill/>
-        </p:spPr>
-        <p:txBody>
-          <a:bodyPr vert="horz" wrap="square" lIns="0" tIns="0" rIns="0" bIns="0" rtlCol="0" anchor="ctr" anchorCtr="0">
-            <a:spAutoFit/>
-          </a:bodyPr>
-          <a:lstStyle/>
-          <a:p>
-            <a:pPr algn="ctr"/>
-            <a:endParaRPr lang="en-US" sz="900">
-              <a:solidFill>
-                <a:schemeClr val="accent1"/>
-              </a:solidFill>
-              <a:latin typeface="Century Gothic" panose="020B0502020202020204" pitchFamily="34" charset="0"/>
-            </a:endParaRPr>
-          </a:p>
-        </p:txBody>
-      </p:sp>
-      <p:sp>
-        <p:nvSpPr>
-          <p:cNvPr id="46663" name="OTLSHAPE_T_3a4a23b568c54ea58c3d039b8ca1da1b_JoinedDate"/>
-          <p:cNvSpPr txBox="1"/>
-          <p:nvPr>
-            <p:custDataLst>
-              <p:tags r:id="rId84"/>
-            </p:custDataLst>
-          </p:nvPr>
-        </p:nvSpPr>
-        <p:spPr>
-          <a:xfrm>
-            <a:off x="8413197" y="3673946"/>
-            <a:ext cx="711200" cy="140123"/>
-          </a:xfrm>
-          <a:prstGeom prst="rect">
-            <a:avLst/>
-          </a:prstGeom>
-          <a:noFill/>
-        </p:spPr>
-        <p:txBody>
-          <a:bodyPr vert="horz" wrap="square" lIns="0" tIns="0" rIns="0" bIns="0" rtlCol="0" anchor="ctr" anchorCtr="0">
-            <a:spAutoFit/>
-          </a:bodyPr>
-          <a:lstStyle/>
-          <a:p>
-            <a:r>
-              <a:rPr lang="en-US" sz="900" spc="-4" smtClean="0">
-                <a:solidFill>
-                  <a:schemeClr val="accent1"/>
-                </a:solidFill>
-                <a:latin typeface="Century Gothic" panose="020B0502020202020204" pitchFamily="34" charset="0"/>
-              </a:rPr>
-              <a:t>11/10 - 12/11</a:t>
-            </a:r>
-            <a:endParaRPr lang="en-US" sz="900" spc="-4">
-              <a:solidFill>
-                <a:schemeClr val="accent1"/>
-              </a:solidFill>
-              <a:latin typeface="Century Gothic" panose="020B0502020202020204" pitchFamily="34" charset="0"/>
-            </a:endParaRPr>
-          </a:p>
-        </p:txBody>
-      </p:sp>
-      <p:sp>
-        <p:nvSpPr>
-          <p:cNvPr id="46665" name="OTLSHAPE_T_3a4a23b568c54ea58c3d039b8ca1da1b_Title"/>
-          <p:cNvSpPr txBox="1"/>
-          <p:nvPr>
-            <p:custDataLst>
-              <p:tags r:id="rId85"/>
-            </p:custDataLst>
-          </p:nvPr>
-        </p:nvSpPr>
-        <p:spPr>
-          <a:xfrm>
-            <a:off x="127000" y="3666156"/>
-            <a:ext cx="762000" cy="155702"/>
-          </a:xfrm>
-          <a:prstGeom prst="rect">
-            <a:avLst/>
-          </a:prstGeom>
-          <a:noFill/>
-        </p:spPr>
-        <p:txBody>
-          <a:bodyPr vert="horz" wrap="square" lIns="0" tIns="0" rIns="0" bIns="0" rtlCol="0" anchor="ctr" anchorCtr="0">
-            <a:spAutoFit/>
-          </a:bodyPr>
-          <a:lstStyle/>
-          <a:p>
-            <a:r>
-              <a:rPr lang="en-US" sz="1000" spc="-6" smtClean="0">
-                <a:solidFill>
-                  <a:schemeClr val="dk2"/>
-                </a:solidFill>
-                <a:latin typeface="Century Gothic" panose="020B0502020202020204" pitchFamily="34" charset="0"/>
-              </a:rPr>
-              <a:t>Task 10 Here</a:t>
-            </a:r>
-            <a:endParaRPr lang="en-US" sz="1000" spc="-6">
-              <a:solidFill>
-                <a:schemeClr val="dk2"/>
-              </a:solidFill>
-              <a:latin typeface="Century Gothic" panose="020B0502020202020204" pitchFamily="34" charset="0"/>
-            </a:endParaRPr>
-          </a:p>
-        </p:txBody>
-      </p:sp>
-      <p:sp>
-        <p:nvSpPr>
-          <p:cNvPr id="46666" name="OTLSHAPE_T_50df4adda29a494cbe0e9e846865986b_Shape"/>
-          <p:cNvSpPr/>
-          <p:nvPr>
-            <p:custDataLst>
-              <p:tags r:id="rId86"/>
-            </p:custDataLst>
-          </p:nvPr>
-        </p:nvSpPr>
-        <p:spPr>
-          <a:xfrm>
-            <a:off x="8086488" y="3972607"/>
-            <a:ext cx="1854200" cy="203200"/>
-          </a:xfrm>
-          <a:prstGeom prst="roundRect">
-            <a:avLst/>
-          </a:prstGeom>
-          <a:solidFill>
-            <a:schemeClr val="dk2"/>
-          </a:solidFill>
-          <a:ln w="12700" cap="flat" cmpd="sng" algn="ctr">
-            <a:noFill/>
-            <a:prstDash val="solid"/>
-            <a:miter lim="800000"/>
-          </a:ln>
-          <a:effectLst/>
-          <a:scene3d>
-            <a:camera prst="orthographicFront"/>
-            <a:lightRig rig="balanced" dir="t">
-              <a:rot lat="0" lon="0" rev="8700000"/>
-            </a:lightRig>
-          </a:scene3d>
-          <a:sp3d>
-            <a:bevelT w="165100" h="12700"/>
-          </a:sp3d>
-          <a:extLst>
-            <a:ext uri="{91240B29-F687-4f45-9708-019B960494DF}">
-              <a14:hiddenLine xmlns:a14="http://schemas.microsoft.com/office/drawing/2010/main" w="12700" cap="flat" cmpd="sng" algn="ctr">
-                <a:solidFill>
-                  <a:schemeClr val="accent1">
-                    <a:shade val="50000"/>
-                  </a:schemeClr>
-                </a:solidFill>
-                <a:prstDash val="solid"/>
-                <a:miter lim="800000"/>
-              </a14:hiddenLine>
-            </a:ext>
-            <a:ext uri="{AF507438-7753-43e0-B8FC-AC1667EBCBE1}">
-              <a14:hiddenEffects xmlns:a14="http://schemas.microsoft.com/office/drawing/2010/main">
-                <a:effectLst>
-                  <a:outerShdw>
-                    <a:scrgbClr r="0" g="0" b="0">
-                      <a:alpha val="50000"/>
-                    </a:scrgbClr>
-                  </a:outerShdw>
-                </a:effectLst>
-              </a14:hiddenEffects>
-            </a:ext>
-            <a:ext uri="{53640926-AAD7-44d8-BBD7-CCE9431645EC}">
-              <a14:shadowObscured xmlns:a14="http://schemas.microsoft.com/office/drawing/2010/main" val="1"/>
-            </a:ext>
-          </a:extLst>
-        </p:spPr>
-        <p:style>
-          <a:lnRef idx="2">
-            <a:schemeClr val="accent1">
-              <a:shade val="50000"/>
-            </a:schemeClr>
-          </a:lnRef>
-          <a:fillRef idx="1">
-            <a:schemeClr val="accent1"/>
-          </a:fillRef>
-          <a:effectRef idx="0">
-            <a:schemeClr val="accent1"/>
-          </a:effectRef>
-          <a:fontRef idx="minor">
-            <a:schemeClr val="lt1"/>
-          </a:fontRef>
-        </p:style>
-        <p:txBody>
-          <a:bodyPr rtlCol="0" anchor="ctr"/>
-          <a:lstStyle/>
-          <a:p>
-            <a:pPr algn="ctr"/>
-            <a:endParaRPr lang="en-US"/>
-          </a:p>
-        </p:txBody>
-      </p:sp>
-      <p:sp>
-        <p:nvSpPr>
-          <p:cNvPr id="46667" name="OTLSHAPE_T_50df4adda29a494cbe0e9e846865986b_ShapePercentage" hidden="1"/>
-          <p:cNvSpPr/>
-          <p:nvPr>
-            <p:custDataLst>
-              <p:tags r:id="rId87"/>
-            </p:custDataLst>
-          </p:nvPr>
-        </p:nvSpPr>
-        <p:spPr>
-          <a:xfrm>
-            <a:off x="8086488" y="3972607"/>
-            <a:ext cx="0" cy="0"/>
-          </a:xfrm>
-          <a:prstGeom prst="roundRect">
-            <a:avLst/>
-          </a:prstGeom>
-        </p:spPr>
-        <p:style>
-          <a:lnRef idx="2">
-            <a:schemeClr val="accent1">
-              <a:shade val="50000"/>
-            </a:schemeClr>
-          </a:lnRef>
-          <a:fillRef idx="1">
-            <a:schemeClr val="accent1"/>
-          </a:fillRef>
-          <a:effectRef idx="0">
-            <a:schemeClr val="accent1"/>
-          </a:effectRef>
-          <a:fontRef idx="minor">
-            <a:schemeClr val="lt1"/>
-          </a:fontRef>
-        </p:style>
-        <p:txBody>
-          <a:bodyPr rtlCol="0" anchor="ctr"/>
-          <a:lstStyle/>
-          <a:p>
-            <a:pPr algn="ctr"/>
-            <a:endParaRPr lang="en-US"/>
-          </a:p>
-        </p:txBody>
-      </p:sp>
-      <p:sp>
-        <p:nvSpPr>
-          <p:cNvPr id="46668" name="OTLSHAPE_T_50df4adda29a494cbe0e9e846865986b_TextPercentage" hidden="1"/>
-          <p:cNvSpPr txBox="1"/>
-          <p:nvPr>
-            <p:custDataLst>
-              <p:tags r:id="rId88"/>
-            </p:custDataLst>
-          </p:nvPr>
-        </p:nvSpPr>
-        <p:spPr>
-          <a:xfrm>
-            <a:off x="0" y="3972607"/>
-            <a:ext cx="0" cy="153888"/>
-          </a:xfrm>
-          <a:prstGeom prst="rect">
-            <a:avLst/>
-          </a:prstGeom>
-          <a:noFill/>
-        </p:spPr>
-        <p:txBody>
-          <a:bodyPr vert="horz" wrap="square" lIns="0" tIns="0" rIns="0" bIns="0" rtlCol="0" anchor="ctr" anchorCtr="0">
-            <a:spAutoFit/>
-          </a:bodyPr>
-          <a:lstStyle/>
-          <a:p>
-            <a:pPr algn="ctr"/>
-            <a:endParaRPr lang="en-US" sz="1000">
-              <a:solidFill>
-                <a:srgbClr val="C0504D"/>
-              </a:solidFill>
-              <a:latin typeface="Calibri" panose="020F0502020204030204" pitchFamily="34" charset="0"/>
-            </a:endParaRPr>
-          </a:p>
-        </p:txBody>
-      </p:sp>
-      <p:sp>
-        <p:nvSpPr>
-          <p:cNvPr id="46669" name="OTLSHAPE_T_50df4adda29a494cbe0e9e846865986b_StartDate" hidden="1"/>
-          <p:cNvSpPr txBox="1"/>
-          <p:nvPr>
-            <p:custDataLst>
-              <p:tags r:id="rId89"/>
-            </p:custDataLst>
-          </p:nvPr>
-        </p:nvSpPr>
-        <p:spPr>
-          <a:xfrm>
-            <a:off x="0" y="3972607"/>
-            <a:ext cx="0" cy="138499"/>
-          </a:xfrm>
-          <a:prstGeom prst="rect">
-            <a:avLst/>
-          </a:prstGeom>
-          <a:noFill/>
-        </p:spPr>
-        <p:txBody>
-          <a:bodyPr vert="horz" wrap="square" lIns="0" tIns="0" rIns="0" bIns="0" rtlCol="0" anchor="ctr" anchorCtr="0">
-            <a:spAutoFit/>
-          </a:bodyPr>
-          <a:lstStyle/>
-          <a:p>
-            <a:pPr algn="ctr"/>
-            <a:endParaRPr lang="en-US" sz="900">
-              <a:solidFill>
-                <a:schemeClr val="accent1"/>
-              </a:solidFill>
-              <a:latin typeface="Century Gothic" panose="020B0502020202020204" pitchFamily="34" charset="0"/>
-            </a:endParaRPr>
-          </a:p>
-        </p:txBody>
-      </p:sp>
-      <p:sp>
-        <p:nvSpPr>
-          <p:cNvPr id="46670" name="OTLSHAPE_T_50df4adda29a494cbe0e9e846865986b_EndDate" hidden="1"/>
-          <p:cNvSpPr txBox="1"/>
-          <p:nvPr>
-            <p:custDataLst>
-              <p:tags r:id="rId90"/>
-            </p:custDataLst>
-          </p:nvPr>
-        </p:nvSpPr>
-        <p:spPr>
-          <a:xfrm>
-            <a:off x="0" y="3972607"/>
-            <a:ext cx="0" cy="138499"/>
-          </a:xfrm>
-          <a:prstGeom prst="rect">
-            <a:avLst/>
-          </a:prstGeom>
-          <a:noFill/>
-        </p:spPr>
-        <p:txBody>
-          <a:bodyPr vert="horz" wrap="square" lIns="0" tIns="0" rIns="0" bIns="0" rtlCol="0" anchor="ctr" anchorCtr="0">
-            <a:spAutoFit/>
-          </a:bodyPr>
-          <a:lstStyle/>
-          <a:p>
-            <a:pPr algn="ctr"/>
-            <a:endParaRPr lang="en-US" sz="900">
-              <a:solidFill>
-                <a:schemeClr val="accent1"/>
-              </a:solidFill>
-              <a:latin typeface="Century Gothic" panose="020B0502020202020204" pitchFamily="34" charset="0"/>
-            </a:endParaRPr>
-          </a:p>
-        </p:txBody>
-      </p:sp>
-      <p:sp>
-        <p:nvSpPr>
-          <p:cNvPr id="46671" name="OTLSHAPE_T_50df4adda29a494cbe0e9e846865986b_JoinedDate"/>
-          <p:cNvSpPr txBox="1"/>
-          <p:nvPr>
-            <p:custDataLst>
-              <p:tags r:id="rId91"/>
-            </p:custDataLst>
-          </p:nvPr>
-        </p:nvSpPr>
-        <p:spPr>
-          <a:xfrm>
-            <a:off x="9989820" y="4004146"/>
-            <a:ext cx="584200" cy="140123"/>
-          </a:xfrm>
-          <a:prstGeom prst="rect">
-            <a:avLst/>
-          </a:prstGeom>
-          <a:noFill/>
-        </p:spPr>
-        <p:txBody>
-          <a:bodyPr vert="horz" wrap="square" lIns="0" tIns="0" rIns="0" bIns="0" rtlCol="0" anchor="ctr" anchorCtr="0">
-            <a:spAutoFit/>
-          </a:bodyPr>
-          <a:lstStyle/>
-          <a:p>
-            <a:r>
-              <a:rPr lang="en-US" sz="900" spc="-6" smtClean="0">
-                <a:solidFill>
-                  <a:schemeClr val="accent1"/>
-                </a:solidFill>
-                <a:latin typeface="Century Gothic" panose="020B0502020202020204" pitchFamily="34" charset="0"/>
-              </a:rPr>
-              <a:t>12/5 - 1/20</a:t>
-            </a:r>
-            <a:endParaRPr lang="en-US" sz="900" spc="-6">
-              <a:solidFill>
-                <a:schemeClr val="accent1"/>
-              </a:solidFill>
-              <a:latin typeface="Century Gothic" panose="020B0502020202020204" pitchFamily="34" charset="0"/>
-            </a:endParaRPr>
-          </a:p>
-        </p:txBody>
-      </p:sp>
-      <p:sp>
-        <p:nvSpPr>
-          <p:cNvPr id="46673" name="OTLSHAPE_T_50df4adda29a494cbe0e9e846865986b_Title"/>
-          <p:cNvSpPr txBox="1"/>
-          <p:nvPr>
-            <p:custDataLst>
-              <p:tags r:id="rId92"/>
-            </p:custDataLst>
-          </p:nvPr>
-        </p:nvSpPr>
-        <p:spPr>
-          <a:xfrm>
-            <a:off x="127000" y="3996356"/>
-            <a:ext cx="762000" cy="155702"/>
-          </a:xfrm>
-          <a:prstGeom prst="rect">
-            <a:avLst/>
-          </a:prstGeom>
-          <a:noFill/>
-        </p:spPr>
-        <p:txBody>
-          <a:bodyPr vert="horz" wrap="square" lIns="0" tIns="0" rIns="0" bIns="0" rtlCol="0" anchor="ctr" anchorCtr="0">
-            <a:spAutoFit/>
-          </a:bodyPr>
-          <a:lstStyle/>
-          <a:p>
-            <a:r>
-              <a:rPr lang="en-US" sz="1000" spc="-6" smtClean="0">
-                <a:solidFill>
-                  <a:schemeClr val="dk2"/>
-                </a:solidFill>
-                <a:latin typeface="Century Gothic" panose="020B0502020202020204" pitchFamily="34" charset="0"/>
-              </a:rPr>
-              <a:t>Task 11 Here</a:t>
-            </a:r>
-            <a:endParaRPr lang="en-US" sz="1000" spc="-6">
-              <a:solidFill>
-                <a:schemeClr val="dk2"/>
-              </a:solidFill>
-              <a:latin typeface="Century Gothic" panose="020B0502020202020204" pitchFamily="34" charset="0"/>
-            </a:endParaRPr>
-          </a:p>
-        </p:txBody>
-      </p:sp>
-      <p:sp>
-        <p:nvSpPr>
-          <p:cNvPr id="46674" name="OTLSHAPE_T_eb954275c5b54be590bee3d17b0ce8a3_Shape"/>
-          <p:cNvSpPr/>
-          <p:nvPr>
-            <p:custDataLst>
-              <p:tags r:id="rId93"/>
-            </p:custDataLst>
-          </p:nvPr>
-        </p:nvSpPr>
-        <p:spPr>
-          <a:xfrm>
-            <a:off x="9190124" y="4302807"/>
-            <a:ext cx="1778000" cy="203200"/>
-          </a:xfrm>
-          <a:prstGeom prst="roundRect">
-            <a:avLst/>
-          </a:prstGeom>
-          <a:solidFill>
-            <a:schemeClr val="accent6"/>
-          </a:solidFill>
-          <a:ln w="12700" cap="flat" cmpd="sng" algn="ctr">
-            <a:noFill/>
-            <a:prstDash val="solid"/>
-            <a:miter lim="800000"/>
-          </a:ln>
-          <a:effectLst/>
-          <a:scene3d>
-            <a:camera prst="orthographicFront"/>
-            <a:lightRig rig="balanced" dir="t">
-              <a:rot lat="0" lon="0" rev="8700000"/>
-            </a:lightRig>
-          </a:scene3d>
-          <a:sp3d>
-            <a:bevelT w="165100" h="12700"/>
-          </a:sp3d>
-          <a:extLst>
-            <a:ext uri="{91240B29-F687-4f45-9708-019B960494DF}">
-              <a14:hiddenLine xmlns:a14="http://schemas.microsoft.com/office/drawing/2010/main" w="12700" cap="flat" cmpd="sng" algn="ctr">
-                <a:solidFill>
-                  <a:schemeClr val="accent1">
-                    <a:shade val="50000"/>
-                  </a:schemeClr>
-                </a:solidFill>
-                <a:prstDash val="solid"/>
-                <a:miter lim="800000"/>
-              </a14:hiddenLine>
-            </a:ext>
-            <a:ext uri="{AF507438-7753-43e0-B8FC-AC1667EBCBE1}">
-              <a14:hiddenEffects xmlns:a14="http://schemas.microsoft.com/office/drawing/2010/main">
-                <a:effectLst>
-                  <a:outerShdw>
-                    <a:scrgbClr r="0" g="0" b="0">
-                      <a:alpha val="50000"/>
-                    </a:scrgbClr>
-                  </a:outerShdw>
-                </a:effectLst>
-              </a14:hiddenEffects>
-            </a:ext>
-            <a:ext uri="{53640926-AAD7-44d8-BBD7-CCE9431645EC}">
-              <a14:shadowObscured xmlns:a14="http://schemas.microsoft.com/office/drawing/2010/main" val="1"/>
-            </a:ext>
-          </a:extLst>
-        </p:spPr>
-        <p:style>
-          <a:lnRef idx="2">
-            <a:schemeClr val="accent1">
-              <a:shade val="50000"/>
-            </a:schemeClr>
-          </a:lnRef>
-          <a:fillRef idx="1">
-            <a:schemeClr val="accent1"/>
-          </a:fillRef>
-          <a:effectRef idx="0">
-            <a:schemeClr val="accent1"/>
-          </a:effectRef>
-          <a:fontRef idx="minor">
-            <a:schemeClr val="lt1"/>
-          </a:fontRef>
-        </p:style>
-        <p:txBody>
-          <a:bodyPr rtlCol="0" anchor="ctr"/>
-          <a:lstStyle/>
-          <a:p>
-            <a:pPr algn="ctr"/>
-            <a:endParaRPr lang="en-US"/>
-          </a:p>
-        </p:txBody>
-      </p:sp>
-      <p:sp>
-        <p:nvSpPr>
-          <p:cNvPr id="46675" name="OTLSHAPE_T_eb954275c5b54be590bee3d17b0ce8a3_ShapePercentage" hidden="1"/>
-          <p:cNvSpPr/>
-          <p:nvPr>
-            <p:custDataLst>
-              <p:tags r:id="rId94"/>
-            </p:custDataLst>
-          </p:nvPr>
-        </p:nvSpPr>
-        <p:spPr>
-          <a:xfrm>
-            <a:off x="9190124" y="4302807"/>
-            <a:ext cx="0" cy="0"/>
-          </a:xfrm>
-          <a:prstGeom prst="roundRect">
-            <a:avLst/>
-          </a:prstGeom>
-        </p:spPr>
-        <p:style>
-          <a:lnRef idx="2">
-            <a:schemeClr val="accent1">
-              <a:shade val="50000"/>
-            </a:schemeClr>
-          </a:lnRef>
-          <a:fillRef idx="1">
-            <a:schemeClr val="accent1"/>
-          </a:fillRef>
-          <a:effectRef idx="0">
-            <a:schemeClr val="accent1"/>
-          </a:effectRef>
-          <a:fontRef idx="minor">
-            <a:schemeClr val="lt1"/>
-          </a:fontRef>
-        </p:style>
-        <p:txBody>
-          <a:bodyPr rtlCol="0" anchor="ctr"/>
-          <a:lstStyle/>
-          <a:p>
-            <a:pPr algn="ctr"/>
-            <a:endParaRPr lang="en-US"/>
-          </a:p>
-        </p:txBody>
-      </p:sp>
-      <p:sp>
-        <p:nvSpPr>
-          <p:cNvPr id="46676" name="OTLSHAPE_T_eb954275c5b54be590bee3d17b0ce8a3_TextPercentage" hidden="1"/>
-          <p:cNvSpPr txBox="1"/>
-          <p:nvPr>
-            <p:custDataLst>
-              <p:tags r:id="rId95"/>
-            </p:custDataLst>
-          </p:nvPr>
-        </p:nvSpPr>
-        <p:spPr>
-          <a:xfrm>
-            <a:off x="0" y="4302807"/>
-            <a:ext cx="0" cy="153888"/>
-          </a:xfrm>
-          <a:prstGeom prst="rect">
-            <a:avLst/>
-          </a:prstGeom>
-          <a:noFill/>
-        </p:spPr>
-        <p:txBody>
-          <a:bodyPr vert="horz" wrap="square" lIns="0" tIns="0" rIns="0" bIns="0" rtlCol="0" anchor="ctr" anchorCtr="0">
-            <a:spAutoFit/>
-          </a:bodyPr>
-          <a:lstStyle/>
-          <a:p>
-            <a:pPr algn="ctr"/>
-            <a:endParaRPr lang="en-US" sz="1000">
-              <a:solidFill>
-                <a:srgbClr val="C0504D"/>
-              </a:solidFill>
-              <a:latin typeface="Calibri" panose="020F0502020204030204" pitchFamily="34" charset="0"/>
-            </a:endParaRPr>
-          </a:p>
-        </p:txBody>
-      </p:sp>
-      <p:sp>
-        <p:nvSpPr>
-          <p:cNvPr id="46677" name="OTLSHAPE_T_eb954275c5b54be590bee3d17b0ce8a3_StartDate" hidden="1"/>
-          <p:cNvSpPr txBox="1"/>
-          <p:nvPr>
-            <p:custDataLst>
-              <p:tags r:id="rId96"/>
-            </p:custDataLst>
-          </p:nvPr>
-        </p:nvSpPr>
-        <p:spPr>
-          <a:xfrm>
-            <a:off x="0" y="4302807"/>
-            <a:ext cx="0" cy="138499"/>
-          </a:xfrm>
-          <a:prstGeom prst="rect">
-            <a:avLst/>
-          </a:prstGeom>
-          <a:noFill/>
-        </p:spPr>
-        <p:txBody>
-          <a:bodyPr vert="horz" wrap="square" lIns="0" tIns="0" rIns="0" bIns="0" rtlCol="0" anchor="ctr" anchorCtr="0">
-            <a:spAutoFit/>
-          </a:bodyPr>
-          <a:lstStyle/>
-          <a:p>
-            <a:pPr algn="ctr"/>
-            <a:endParaRPr lang="en-US" sz="900">
-              <a:solidFill>
-                <a:schemeClr val="accent1"/>
-              </a:solidFill>
-              <a:latin typeface="Century Gothic" panose="020B0502020202020204" pitchFamily="34" charset="0"/>
-            </a:endParaRPr>
-          </a:p>
-        </p:txBody>
-      </p:sp>
-      <p:sp>
-        <p:nvSpPr>
-          <p:cNvPr id="46678" name="OTLSHAPE_T_eb954275c5b54be590bee3d17b0ce8a3_EndDate" hidden="1"/>
-          <p:cNvSpPr txBox="1"/>
-          <p:nvPr>
-            <p:custDataLst>
-              <p:tags r:id="rId97"/>
-            </p:custDataLst>
-          </p:nvPr>
-        </p:nvSpPr>
-        <p:spPr>
-          <a:xfrm>
-            <a:off x="0" y="4302807"/>
-            <a:ext cx="0" cy="138499"/>
-          </a:xfrm>
-          <a:prstGeom prst="rect">
-            <a:avLst/>
-          </a:prstGeom>
-          <a:noFill/>
-        </p:spPr>
-        <p:txBody>
-          <a:bodyPr vert="horz" wrap="square" lIns="0" tIns="0" rIns="0" bIns="0" rtlCol="0" anchor="ctr" anchorCtr="0">
-            <a:spAutoFit/>
-          </a:bodyPr>
-          <a:lstStyle/>
-          <a:p>
-            <a:pPr algn="ctr"/>
-            <a:endParaRPr lang="en-US" sz="900">
-              <a:solidFill>
-                <a:schemeClr val="accent1"/>
-              </a:solidFill>
-              <a:latin typeface="Century Gothic" panose="020B0502020202020204" pitchFamily="34" charset="0"/>
-            </a:endParaRPr>
-          </a:p>
-        </p:txBody>
-      </p:sp>
-      <p:sp>
-        <p:nvSpPr>
-          <p:cNvPr id="46679" name="OTLSHAPE_T_eb954275c5b54be590bee3d17b0ce8a3_JoinedDate"/>
-          <p:cNvSpPr txBox="1"/>
-          <p:nvPr>
-            <p:custDataLst>
-              <p:tags r:id="rId98"/>
-            </p:custDataLst>
-          </p:nvPr>
-        </p:nvSpPr>
-        <p:spPr>
-          <a:xfrm>
-            <a:off x="11014626" y="4334346"/>
-            <a:ext cx="520700" cy="140123"/>
-          </a:xfrm>
-          <a:prstGeom prst="rect">
-            <a:avLst/>
-          </a:prstGeom>
-          <a:noFill/>
-        </p:spPr>
-        <p:txBody>
-          <a:bodyPr vert="horz" wrap="square" lIns="0" tIns="0" rIns="0" bIns="0" rtlCol="0" anchor="ctr" anchorCtr="0">
-            <a:spAutoFit/>
-          </a:bodyPr>
-          <a:lstStyle/>
-          <a:p>
-            <a:r>
-              <a:rPr lang="en-US" sz="900" spc="-6" smtClean="0">
-                <a:solidFill>
-                  <a:schemeClr val="accent1"/>
-                </a:solidFill>
-                <a:latin typeface="Century Gothic" panose="020B0502020202020204" pitchFamily="34" charset="0"/>
-              </a:rPr>
-              <a:t>1/2 - 2/15</a:t>
-            </a:r>
-            <a:endParaRPr lang="en-US" sz="900" spc="-6">
-              <a:solidFill>
-                <a:schemeClr val="accent1"/>
-              </a:solidFill>
-              <a:latin typeface="Century Gothic" panose="020B0502020202020204" pitchFamily="34" charset="0"/>
-            </a:endParaRPr>
-          </a:p>
-        </p:txBody>
-      </p:sp>
-      <p:sp>
-        <p:nvSpPr>
-          <p:cNvPr id="46681" name="OTLSHAPE_T_eb954275c5b54be590bee3d17b0ce8a3_Title"/>
-          <p:cNvSpPr txBox="1"/>
-          <p:nvPr>
-            <p:custDataLst>
-              <p:tags r:id="rId99"/>
-            </p:custDataLst>
-          </p:nvPr>
-        </p:nvSpPr>
-        <p:spPr>
-          <a:xfrm>
-            <a:off x="127000" y="4326556"/>
-            <a:ext cx="762000" cy="155702"/>
-          </a:xfrm>
-          <a:prstGeom prst="rect">
-            <a:avLst/>
-          </a:prstGeom>
-          <a:noFill/>
-        </p:spPr>
-        <p:txBody>
-          <a:bodyPr vert="horz" wrap="square" lIns="0" tIns="0" rIns="0" bIns="0" rtlCol="0" anchor="ctr" anchorCtr="0">
-            <a:spAutoFit/>
-          </a:bodyPr>
-          <a:lstStyle/>
-          <a:p>
-            <a:r>
-              <a:rPr lang="en-US" sz="1000" spc="-6" smtClean="0">
-                <a:solidFill>
-                  <a:schemeClr val="dk2"/>
-                </a:solidFill>
-                <a:latin typeface="Century Gothic" panose="020B0502020202020204" pitchFamily="34" charset="0"/>
-              </a:rPr>
-              <a:t>Task 12 Here</a:t>
-            </a:r>
-            <a:endParaRPr lang="en-US" sz="1000" spc="-6">
-              <a:solidFill>
-                <a:schemeClr val="dk2"/>
-              </a:solidFill>
-              <a:latin typeface="Century Gothic" panose="020B0502020202020204" pitchFamily="34" charset="0"/>
-            </a:endParaRPr>
-          </a:p>
-        </p:txBody>
-      </p:sp>
-      <p:sp>
-        <p:nvSpPr>
-          <p:cNvPr id="160" name="OTLSHAPE_TB_00000000000000000000000000000000_RightEndCaps"/>
-          <p:cNvSpPr txBox="1"/>
-          <p:nvPr>
-            <p:custDataLst>
-              <p:tags r:id="rId100"/>
             </p:custDataLst>
           </p:nvPr>
         </p:nvSpPr>
@@ -11609,6 +10815,710 @@
                 <a:srgbClr val="FF4500"/>
               </a:solidFill>
               <a:latin typeface="Calibri" panose="020F0502020204030204" pitchFamily="34" charset="0"/>
+            </a:endParaRPr>
+          </a:p>
+        </p:txBody>
+      </p:sp>
+      <p:sp>
+        <p:nvSpPr>
+          <p:cNvPr id="101" name="OTLSHAPE_TB_00000000000000000000000000000000_RightEndCaps"/>
+          <p:cNvSpPr txBox="1"/>
+          <p:nvPr>
+            <p:custDataLst>
+              <p:tags r:id="rId84"/>
+            </p:custDataLst>
+          </p:nvPr>
+        </p:nvSpPr>
+        <p:spPr>
+          <a:xfrm rot="3609372">
+            <a:off x="5736861" y="5838166"/>
+            <a:ext cx="974626" cy="200055"/>
+          </a:xfrm>
+          <a:prstGeom prst="rect">
+            <a:avLst/>
+          </a:prstGeom>
+          <a:noFill/>
+        </p:spPr>
+        <p:txBody>
+          <a:bodyPr vert="horz" wrap="none" lIns="0" tIns="0" rIns="0" bIns="0" rtlCol="0" anchor="ctr" anchorCtr="0">
+            <a:spAutoFit/>
+          </a:bodyPr>
+          <a:lstStyle/>
+          <a:p>
+            <a:pPr algn="ctr"/>
+            <a:r>
+              <a:rPr lang="en-US" sz="1300" b="1" spc="-24" dirty="0" smtClean="0">
+                <a:solidFill>
+                  <a:srgbClr val="FF4500"/>
+                </a:solidFill>
+                <a:latin typeface="Calibri" panose="020F0502020204030204" pitchFamily="34" charset="0"/>
+              </a:rPr>
+              <a:t>Oct. </a:t>
+            </a:r>
+            <a:r>
+              <a:rPr lang="en-US" sz="1300" b="1" spc="-24" dirty="0" smtClean="0">
+                <a:solidFill>
+                  <a:srgbClr val="FF4500"/>
+                </a:solidFill>
+                <a:latin typeface="Calibri" panose="020F0502020204030204" pitchFamily="34" charset="0"/>
+              </a:rPr>
+              <a:t>24</a:t>
+            </a:r>
+            <a:r>
+              <a:rPr lang="en-US" sz="1300" b="1" spc="-24" baseline="30000" dirty="0" smtClean="0">
+                <a:solidFill>
+                  <a:srgbClr val="FF4500"/>
+                </a:solidFill>
+                <a:latin typeface="Calibri" panose="020F0502020204030204" pitchFamily="34" charset="0"/>
+              </a:rPr>
+              <a:t>th</a:t>
+            </a:r>
+            <a:r>
+              <a:rPr lang="en-US" sz="1300" b="1" spc="-24" dirty="0" smtClean="0">
+                <a:solidFill>
+                  <a:srgbClr val="FF4500"/>
+                </a:solidFill>
+                <a:latin typeface="Calibri" panose="020F0502020204030204" pitchFamily="34" charset="0"/>
+              </a:rPr>
+              <a:t>, 2016</a:t>
+            </a:r>
+            <a:endParaRPr lang="en-US" sz="1300" b="1" spc="-24" dirty="0">
+              <a:solidFill>
+                <a:srgbClr val="FF4500"/>
+              </a:solidFill>
+              <a:latin typeface="Calibri" panose="020F0502020204030204" pitchFamily="34" charset="0"/>
+            </a:endParaRPr>
+          </a:p>
+        </p:txBody>
+      </p:sp>
+      <p:cxnSp>
+        <p:nvCxnSpPr>
+          <p:cNvPr id="3" name="Straight Connector 2"/>
+          <p:cNvCxnSpPr/>
+          <p:nvPr/>
+        </p:nvCxnSpPr>
+        <p:spPr>
+          <a:xfrm flipV="1">
+            <a:off x="6019108" y="1521428"/>
+            <a:ext cx="0" cy="3876333"/>
+          </a:xfrm>
+          <a:prstGeom prst="line">
+            <a:avLst/>
+          </a:prstGeom>
+          <a:ln>
+            <a:solidFill>
+              <a:srgbClr val="000000"/>
+            </a:solidFill>
+          </a:ln>
+        </p:spPr>
+        <p:style>
+          <a:lnRef idx="2">
+            <a:schemeClr val="accent1"/>
+          </a:lnRef>
+          <a:fillRef idx="0">
+            <a:schemeClr val="accent1"/>
+          </a:fillRef>
+          <a:effectRef idx="1">
+            <a:schemeClr val="accent1"/>
+          </a:effectRef>
+          <a:fontRef idx="minor">
+            <a:schemeClr val="tx1"/>
+          </a:fontRef>
+        </p:style>
+      </p:cxnSp>
+      <p:cxnSp>
+        <p:nvCxnSpPr>
+          <p:cNvPr id="107" name="Straight Connector 106"/>
+          <p:cNvCxnSpPr/>
+          <p:nvPr/>
+        </p:nvCxnSpPr>
+        <p:spPr>
+          <a:xfrm flipV="1">
+            <a:off x="1329759" y="1084840"/>
+            <a:ext cx="6351" cy="4280101"/>
+          </a:xfrm>
+          <a:prstGeom prst="line">
+            <a:avLst/>
+          </a:prstGeom>
+          <a:ln>
+            <a:solidFill>
+              <a:srgbClr val="000000"/>
+            </a:solidFill>
+          </a:ln>
+        </p:spPr>
+        <p:style>
+          <a:lnRef idx="2">
+            <a:schemeClr val="accent1"/>
+          </a:lnRef>
+          <a:fillRef idx="0">
+            <a:schemeClr val="accent1"/>
+          </a:fillRef>
+          <a:effectRef idx="1">
+            <a:schemeClr val="accent1"/>
+          </a:effectRef>
+          <a:fontRef idx="minor">
+            <a:schemeClr val="tx1"/>
+          </a:fontRef>
+        </p:style>
+      </p:cxnSp>
+      <p:cxnSp>
+        <p:nvCxnSpPr>
+          <p:cNvPr id="109" name="Straight Connector 108"/>
+          <p:cNvCxnSpPr/>
+          <p:nvPr/>
+        </p:nvCxnSpPr>
+        <p:spPr>
+          <a:xfrm flipV="1">
+            <a:off x="5371426" y="1118172"/>
+            <a:ext cx="6351" cy="4280101"/>
+          </a:xfrm>
+          <a:prstGeom prst="line">
+            <a:avLst/>
+          </a:prstGeom>
+          <a:ln>
+            <a:solidFill>
+              <a:srgbClr val="000000"/>
+            </a:solidFill>
+          </a:ln>
+        </p:spPr>
+        <p:style>
+          <a:lnRef idx="2">
+            <a:schemeClr val="accent1"/>
+          </a:lnRef>
+          <a:fillRef idx="0">
+            <a:schemeClr val="accent1"/>
+          </a:fillRef>
+          <a:effectRef idx="1">
+            <a:schemeClr val="accent1"/>
+          </a:effectRef>
+          <a:fontRef idx="minor">
+            <a:schemeClr val="tx1"/>
+          </a:fontRef>
+        </p:style>
+      </p:cxnSp>
+      <p:cxnSp>
+        <p:nvCxnSpPr>
+          <p:cNvPr id="110" name="Straight Connector 109"/>
+          <p:cNvCxnSpPr/>
+          <p:nvPr/>
+        </p:nvCxnSpPr>
+        <p:spPr>
+          <a:xfrm flipV="1">
+            <a:off x="4703637" y="1125044"/>
+            <a:ext cx="6351" cy="4280101"/>
+          </a:xfrm>
+          <a:prstGeom prst="line">
+            <a:avLst/>
+          </a:prstGeom>
+          <a:ln>
+            <a:solidFill>
+              <a:srgbClr val="000000"/>
+            </a:solidFill>
+          </a:ln>
+        </p:spPr>
+        <p:style>
+          <a:lnRef idx="2">
+            <a:schemeClr val="accent1"/>
+          </a:lnRef>
+          <a:fillRef idx="0">
+            <a:schemeClr val="accent1"/>
+          </a:fillRef>
+          <a:effectRef idx="1">
+            <a:schemeClr val="accent1"/>
+          </a:effectRef>
+          <a:fontRef idx="minor">
+            <a:schemeClr val="tx1"/>
+          </a:fontRef>
+        </p:style>
+      </p:cxnSp>
+      <p:cxnSp>
+        <p:nvCxnSpPr>
+          <p:cNvPr id="111" name="Straight Connector 110"/>
+          <p:cNvCxnSpPr/>
+          <p:nvPr/>
+        </p:nvCxnSpPr>
+        <p:spPr>
+          <a:xfrm flipV="1">
+            <a:off x="4049081" y="1131916"/>
+            <a:ext cx="6351" cy="4280101"/>
+          </a:xfrm>
+          <a:prstGeom prst="line">
+            <a:avLst/>
+          </a:prstGeom>
+          <a:ln>
+            <a:solidFill>
+              <a:srgbClr val="000000"/>
+            </a:solidFill>
+          </a:ln>
+        </p:spPr>
+        <p:style>
+          <a:lnRef idx="2">
+            <a:schemeClr val="accent1"/>
+          </a:lnRef>
+          <a:fillRef idx="0">
+            <a:schemeClr val="accent1"/>
+          </a:fillRef>
+          <a:effectRef idx="1">
+            <a:schemeClr val="accent1"/>
+          </a:effectRef>
+          <a:fontRef idx="minor">
+            <a:schemeClr val="tx1"/>
+          </a:fontRef>
+        </p:style>
+      </p:cxnSp>
+      <p:cxnSp>
+        <p:nvCxnSpPr>
+          <p:cNvPr id="112" name="Straight Connector 111"/>
+          <p:cNvCxnSpPr/>
+          <p:nvPr/>
+        </p:nvCxnSpPr>
+        <p:spPr>
+          <a:xfrm flipV="1">
+            <a:off x="3368065" y="1112328"/>
+            <a:ext cx="6351" cy="4280101"/>
+          </a:xfrm>
+          <a:prstGeom prst="line">
+            <a:avLst/>
+          </a:prstGeom>
+          <a:ln>
+            <a:solidFill>
+              <a:srgbClr val="000000"/>
+            </a:solidFill>
+          </a:ln>
+        </p:spPr>
+        <p:style>
+          <a:lnRef idx="2">
+            <a:schemeClr val="accent1"/>
+          </a:lnRef>
+          <a:fillRef idx="0">
+            <a:schemeClr val="accent1"/>
+          </a:fillRef>
+          <a:effectRef idx="1">
+            <a:schemeClr val="accent1"/>
+          </a:effectRef>
+          <a:fontRef idx="minor">
+            <a:schemeClr val="tx1"/>
+          </a:fontRef>
+        </p:style>
+      </p:cxnSp>
+      <p:cxnSp>
+        <p:nvCxnSpPr>
+          <p:cNvPr id="113" name="Straight Connector 112"/>
+          <p:cNvCxnSpPr/>
+          <p:nvPr/>
+        </p:nvCxnSpPr>
+        <p:spPr>
+          <a:xfrm flipV="1">
+            <a:off x="2666940" y="1112329"/>
+            <a:ext cx="6351" cy="4280101"/>
+          </a:xfrm>
+          <a:prstGeom prst="line">
+            <a:avLst/>
+          </a:prstGeom>
+          <a:ln>
+            <a:solidFill>
+              <a:srgbClr val="000000"/>
+            </a:solidFill>
+          </a:ln>
+        </p:spPr>
+        <p:style>
+          <a:lnRef idx="2">
+            <a:schemeClr val="accent1"/>
+          </a:lnRef>
+          <a:fillRef idx="0">
+            <a:schemeClr val="accent1"/>
+          </a:fillRef>
+          <a:effectRef idx="1">
+            <a:schemeClr val="accent1"/>
+          </a:effectRef>
+          <a:fontRef idx="minor">
+            <a:schemeClr val="tx1"/>
+          </a:fontRef>
+        </p:style>
+      </p:cxnSp>
+      <p:cxnSp>
+        <p:nvCxnSpPr>
+          <p:cNvPr id="114" name="Straight Connector 113"/>
+          <p:cNvCxnSpPr/>
+          <p:nvPr/>
+        </p:nvCxnSpPr>
+        <p:spPr>
+          <a:xfrm flipV="1">
+            <a:off x="2005501" y="1112328"/>
+            <a:ext cx="6351" cy="4280101"/>
+          </a:xfrm>
+          <a:prstGeom prst="line">
+            <a:avLst/>
+          </a:prstGeom>
+          <a:ln>
+            <a:solidFill>
+              <a:srgbClr val="000000"/>
+            </a:solidFill>
+          </a:ln>
+        </p:spPr>
+        <p:style>
+          <a:lnRef idx="2">
+            <a:schemeClr val="accent1"/>
+          </a:lnRef>
+          <a:fillRef idx="0">
+            <a:schemeClr val="accent1"/>
+          </a:fillRef>
+          <a:effectRef idx="1">
+            <a:schemeClr val="accent1"/>
+          </a:effectRef>
+          <a:fontRef idx="minor">
+            <a:schemeClr val="tx1"/>
+          </a:fontRef>
+        </p:style>
+      </p:cxnSp>
+      <p:cxnSp>
+        <p:nvCxnSpPr>
+          <p:cNvPr id="115" name="Straight Connector 114"/>
+          <p:cNvCxnSpPr/>
+          <p:nvPr/>
+        </p:nvCxnSpPr>
+        <p:spPr>
+          <a:xfrm flipV="1">
+            <a:off x="6660973" y="1515071"/>
+            <a:ext cx="0" cy="3876333"/>
+          </a:xfrm>
+          <a:prstGeom prst="line">
+            <a:avLst/>
+          </a:prstGeom>
+          <a:ln>
+            <a:solidFill>
+              <a:srgbClr val="000000"/>
+            </a:solidFill>
+          </a:ln>
+        </p:spPr>
+        <p:style>
+          <a:lnRef idx="2">
+            <a:schemeClr val="accent1"/>
+          </a:lnRef>
+          <a:fillRef idx="0">
+            <a:schemeClr val="accent1"/>
+          </a:fillRef>
+          <a:effectRef idx="1">
+            <a:schemeClr val="accent1"/>
+          </a:effectRef>
+          <a:fontRef idx="minor">
+            <a:schemeClr val="tx1"/>
+          </a:fontRef>
+        </p:style>
+      </p:cxnSp>
+      <p:cxnSp>
+        <p:nvCxnSpPr>
+          <p:cNvPr id="116" name="Straight Connector 115"/>
+          <p:cNvCxnSpPr/>
+          <p:nvPr/>
+        </p:nvCxnSpPr>
+        <p:spPr>
+          <a:xfrm flipV="1">
+            <a:off x="11178881" y="1508713"/>
+            <a:ext cx="0" cy="3876333"/>
+          </a:xfrm>
+          <a:prstGeom prst="line">
+            <a:avLst/>
+          </a:prstGeom>
+          <a:ln>
+            <a:solidFill>
+              <a:srgbClr val="000000"/>
+            </a:solidFill>
+          </a:ln>
+        </p:spPr>
+        <p:style>
+          <a:lnRef idx="2">
+            <a:schemeClr val="accent1"/>
+          </a:lnRef>
+          <a:fillRef idx="0">
+            <a:schemeClr val="accent1"/>
+          </a:fillRef>
+          <a:effectRef idx="1">
+            <a:schemeClr val="accent1"/>
+          </a:effectRef>
+          <a:fontRef idx="minor">
+            <a:schemeClr val="tx1"/>
+          </a:fontRef>
+        </p:style>
+      </p:cxnSp>
+      <p:cxnSp>
+        <p:nvCxnSpPr>
+          <p:cNvPr id="117" name="Straight Connector 116"/>
+          <p:cNvCxnSpPr/>
+          <p:nvPr/>
+        </p:nvCxnSpPr>
+        <p:spPr>
+          <a:xfrm flipV="1">
+            <a:off x="7336181" y="1502356"/>
+            <a:ext cx="0" cy="3876333"/>
+          </a:xfrm>
+          <a:prstGeom prst="line">
+            <a:avLst/>
+          </a:prstGeom>
+          <a:ln>
+            <a:solidFill>
+              <a:srgbClr val="000000"/>
+            </a:solidFill>
+          </a:ln>
+        </p:spPr>
+        <p:style>
+          <a:lnRef idx="2">
+            <a:schemeClr val="accent1"/>
+          </a:lnRef>
+          <a:fillRef idx="0">
+            <a:schemeClr val="accent1"/>
+          </a:fillRef>
+          <a:effectRef idx="1">
+            <a:schemeClr val="accent1"/>
+          </a:effectRef>
+          <a:fontRef idx="minor">
+            <a:schemeClr val="tx1"/>
+          </a:fontRef>
+        </p:style>
+      </p:cxnSp>
+      <p:cxnSp>
+        <p:nvCxnSpPr>
+          <p:cNvPr id="118" name="Straight Connector 117"/>
+          <p:cNvCxnSpPr/>
+          <p:nvPr/>
+        </p:nvCxnSpPr>
+        <p:spPr>
+          <a:xfrm flipV="1">
+            <a:off x="7991276" y="1495997"/>
+            <a:ext cx="0" cy="3876333"/>
+          </a:xfrm>
+          <a:prstGeom prst="line">
+            <a:avLst/>
+          </a:prstGeom>
+          <a:ln>
+            <a:solidFill>
+              <a:srgbClr val="000000"/>
+            </a:solidFill>
+          </a:ln>
+        </p:spPr>
+        <p:style>
+          <a:lnRef idx="2">
+            <a:schemeClr val="accent1"/>
+          </a:lnRef>
+          <a:fillRef idx="0">
+            <a:schemeClr val="accent1"/>
+          </a:fillRef>
+          <a:effectRef idx="1">
+            <a:schemeClr val="accent1"/>
+          </a:effectRef>
+          <a:fontRef idx="minor">
+            <a:schemeClr val="tx1"/>
+          </a:fontRef>
+        </p:style>
+      </p:cxnSp>
+      <p:cxnSp>
+        <p:nvCxnSpPr>
+          <p:cNvPr id="119" name="Straight Connector 118"/>
+          <p:cNvCxnSpPr/>
+          <p:nvPr/>
+        </p:nvCxnSpPr>
+        <p:spPr>
+          <a:xfrm flipV="1">
+            <a:off x="8633141" y="1516100"/>
+            <a:ext cx="0" cy="3876333"/>
+          </a:xfrm>
+          <a:prstGeom prst="line">
+            <a:avLst/>
+          </a:prstGeom>
+          <a:ln>
+            <a:solidFill>
+              <a:srgbClr val="000000"/>
+            </a:solidFill>
+          </a:ln>
+        </p:spPr>
+        <p:style>
+          <a:lnRef idx="2">
+            <a:schemeClr val="accent1"/>
+          </a:lnRef>
+          <a:fillRef idx="0">
+            <a:schemeClr val="accent1"/>
+          </a:fillRef>
+          <a:effectRef idx="1">
+            <a:schemeClr val="accent1"/>
+          </a:effectRef>
+          <a:fontRef idx="minor">
+            <a:schemeClr val="tx1"/>
+          </a:fontRef>
+        </p:style>
+      </p:cxnSp>
+      <p:cxnSp>
+        <p:nvCxnSpPr>
+          <p:cNvPr id="120" name="Straight Connector 119"/>
+          <p:cNvCxnSpPr/>
+          <p:nvPr/>
+        </p:nvCxnSpPr>
+        <p:spPr>
+          <a:xfrm flipV="1">
+            <a:off x="9314693" y="1522972"/>
+            <a:ext cx="0" cy="3876333"/>
+          </a:xfrm>
+          <a:prstGeom prst="line">
+            <a:avLst/>
+          </a:prstGeom>
+          <a:ln>
+            <a:solidFill>
+              <a:srgbClr val="000000"/>
+            </a:solidFill>
+          </a:ln>
+        </p:spPr>
+        <p:style>
+          <a:lnRef idx="2">
+            <a:schemeClr val="accent1"/>
+          </a:lnRef>
+          <a:fillRef idx="0">
+            <a:schemeClr val="accent1"/>
+          </a:fillRef>
+          <a:effectRef idx="1">
+            <a:schemeClr val="accent1"/>
+          </a:effectRef>
+          <a:fontRef idx="minor">
+            <a:schemeClr val="tx1"/>
+          </a:fontRef>
+        </p:style>
+      </p:cxnSp>
+      <p:cxnSp>
+        <p:nvCxnSpPr>
+          <p:cNvPr id="121" name="Straight Connector 120"/>
+          <p:cNvCxnSpPr/>
+          <p:nvPr/>
+        </p:nvCxnSpPr>
+        <p:spPr>
+          <a:xfrm flipV="1">
+            <a:off x="9930102" y="1529844"/>
+            <a:ext cx="0" cy="3876333"/>
+          </a:xfrm>
+          <a:prstGeom prst="line">
+            <a:avLst/>
+          </a:prstGeom>
+          <a:ln>
+            <a:solidFill>
+              <a:srgbClr val="000000"/>
+            </a:solidFill>
+          </a:ln>
+        </p:spPr>
+        <p:style>
+          <a:lnRef idx="2">
+            <a:schemeClr val="accent1"/>
+          </a:lnRef>
+          <a:fillRef idx="0">
+            <a:schemeClr val="accent1"/>
+          </a:fillRef>
+          <a:effectRef idx="1">
+            <a:schemeClr val="accent1"/>
+          </a:effectRef>
+          <a:fontRef idx="minor">
+            <a:schemeClr val="tx1"/>
+          </a:fontRef>
+        </p:style>
+      </p:cxnSp>
+      <p:cxnSp>
+        <p:nvCxnSpPr>
+          <p:cNvPr id="122" name="Straight Connector 121"/>
+          <p:cNvCxnSpPr/>
+          <p:nvPr/>
+        </p:nvCxnSpPr>
+        <p:spPr>
+          <a:xfrm flipV="1">
+            <a:off x="10558739" y="1510257"/>
+            <a:ext cx="0" cy="3876333"/>
+          </a:xfrm>
+          <a:prstGeom prst="line">
+            <a:avLst/>
+          </a:prstGeom>
+          <a:ln>
+            <a:solidFill>
+              <a:srgbClr val="000000"/>
+            </a:solidFill>
+          </a:ln>
+        </p:spPr>
+        <p:style>
+          <a:lnRef idx="2">
+            <a:schemeClr val="accent1"/>
+          </a:lnRef>
+          <a:fillRef idx="0">
+            <a:schemeClr val="accent1"/>
+          </a:fillRef>
+          <a:effectRef idx="1">
+            <a:schemeClr val="accent1"/>
+          </a:effectRef>
+          <a:fontRef idx="minor">
+            <a:schemeClr val="tx1"/>
+          </a:fontRef>
+        </p:style>
+      </p:cxnSp>
+      <p:sp>
+        <p:nvSpPr>
+          <p:cNvPr id="8" name="TextBox 7"/>
+          <p:cNvSpPr txBox="1"/>
+          <p:nvPr/>
+        </p:nvSpPr>
+        <p:spPr>
+          <a:xfrm>
+            <a:off x="26455" y="1627266"/>
+            <a:ext cx="1111222" cy="338554"/>
+          </a:xfrm>
+          <a:prstGeom prst="rect">
+            <a:avLst/>
+          </a:prstGeom>
+          <a:noFill/>
+        </p:spPr>
+        <p:txBody>
+          <a:bodyPr wrap="square" rtlCol="0">
+            <a:spAutoFit/>
+          </a:bodyPr>
+          <a:lstStyle/>
+          <a:p>
+            <a:r>
+              <a:rPr lang="en-US" sz="800" dirty="0" smtClean="0">
+                <a:latin typeface="Century Gothic"/>
+                <a:cs typeface="Century Gothic"/>
+              </a:rPr>
+              <a:t>Design/Concept Planning</a:t>
+            </a:r>
+            <a:endParaRPr lang="en-US" sz="800" dirty="0">
+              <a:latin typeface="Century Gothic"/>
+              <a:cs typeface="Century Gothic"/>
+            </a:endParaRPr>
+          </a:p>
+        </p:txBody>
+      </p:sp>
+      <p:sp>
+        <p:nvSpPr>
+          <p:cNvPr id="10" name="TextBox 9"/>
+          <p:cNvSpPr txBox="1"/>
+          <p:nvPr/>
+        </p:nvSpPr>
+        <p:spPr>
+          <a:xfrm>
+            <a:off x="39687" y="4180618"/>
+            <a:ext cx="1137677" cy="461665"/>
+          </a:xfrm>
+          <a:prstGeom prst="rect">
+            <a:avLst/>
+          </a:prstGeom>
+          <a:noFill/>
+        </p:spPr>
+        <p:txBody>
+          <a:bodyPr wrap="square" rtlCol="0">
+            <a:spAutoFit/>
+          </a:bodyPr>
+          <a:lstStyle/>
+          <a:p>
+            <a:r>
+              <a:rPr lang="en-US" sz="800" dirty="0" smtClean="0">
+                <a:latin typeface="Century Gothic"/>
+                <a:cs typeface="Century Gothic"/>
+              </a:rPr>
+              <a:t>Diagrams/Presentation Complete</a:t>
+            </a:r>
+            <a:endParaRPr lang="en-US" sz="800" dirty="0">
+              <a:latin typeface="Century Gothic"/>
+              <a:cs typeface="Century Gothic"/>
             </a:endParaRPr>
           </a:p>
         </p:txBody>
@@ -12120,12 +12030,6 @@
 </file>
 
 <file path=ppt/tags/tag10.xml><?xml version="1.0" encoding="utf-8"?>
-<p:tagLst xmlns:a="http://schemas.openxmlformats.org/drawingml/2006/main" xmlns:r="http://schemas.openxmlformats.org/officeDocument/2006/relationships" xmlns:p="http://schemas.openxmlformats.org/presentationml/2006/main">
-  <p:tag name="OTLMARKERSHAPE" val="OTL"/>
-</p:tagLst>
-</file>
-
-<file path=ppt/tags/tag100.xml><?xml version="1.0" encoding="utf-8"?>
 <p:tagLst xmlns:a="http://schemas.openxmlformats.org/drawingml/2006/main" xmlns:r="http://schemas.openxmlformats.org/officeDocument/2006/relationships" xmlns:p="http://schemas.openxmlformats.org/presentationml/2006/main">
   <p:tag name="OTLMARKERSHAPE" val="OTL"/>
 </p:tagLst>
@@ -12617,97 +12521,7 @@
 </p:tagLst>
 </file>
 
-<file path=ppt/tags/tag85.xml><?xml version="1.0" encoding="utf-8"?>
-<p:tagLst xmlns:a="http://schemas.openxmlformats.org/drawingml/2006/main" xmlns:r="http://schemas.openxmlformats.org/officeDocument/2006/relationships" xmlns:p="http://schemas.openxmlformats.org/presentationml/2006/main">
-  <p:tag name="OTLMARKERSHAPE" val="OTL"/>
-</p:tagLst>
-</file>
-
-<file path=ppt/tags/tag86.xml><?xml version="1.0" encoding="utf-8"?>
-<p:tagLst xmlns:a="http://schemas.openxmlformats.org/drawingml/2006/main" xmlns:r="http://schemas.openxmlformats.org/officeDocument/2006/relationships" xmlns:p="http://schemas.openxmlformats.org/presentationml/2006/main">
-  <p:tag name="OTLMARKERSHAPE" val="OTL"/>
-</p:tagLst>
-</file>
-
-<file path=ppt/tags/tag87.xml><?xml version="1.0" encoding="utf-8"?>
-<p:tagLst xmlns:a="http://schemas.openxmlformats.org/drawingml/2006/main" xmlns:r="http://schemas.openxmlformats.org/officeDocument/2006/relationships" xmlns:p="http://schemas.openxmlformats.org/presentationml/2006/main">
-  <p:tag name="OTLMARKERSHAPE" val="OTL"/>
-</p:tagLst>
-</file>
-
-<file path=ppt/tags/tag88.xml><?xml version="1.0" encoding="utf-8"?>
-<p:tagLst xmlns:a="http://schemas.openxmlformats.org/drawingml/2006/main" xmlns:r="http://schemas.openxmlformats.org/officeDocument/2006/relationships" xmlns:p="http://schemas.openxmlformats.org/presentationml/2006/main">
-  <p:tag name="OTLMARKERSHAPE" val="OTL"/>
-</p:tagLst>
-</file>
-
-<file path=ppt/tags/tag89.xml><?xml version="1.0" encoding="utf-8"?>
-<p:tagLst xmlns:a="http://schemas.openxmlformats.org/drawingml/2006/main" xmlns:r="http://schemas.openxmlformats.org/officeDocument/2006/relationships" xmlns:p="http://schemas.openxmlformats.org/presentationml/2006/main">
-  <p:tag name="OTLMARKERSHAPE" val="OTL"/>
-</p:tagLst>
-</file>
-
 <file path=ppt/tags/tag9.xml><?xml version="1.0" encoding="utf-8"?>
-<p:tagLst xmlns:a="http://schemas.openxmlformats.org/drawingml/2006/main" xmlns:r="http://schemas.openxmlformats.org/officeDocument/2006/relationships" xmlns:p="http://schemas.openxmlformats.org/presentationml/2006/main">
-  <p:tag name="OTLMARKERSHAPE" val="OTL"/>
-</p:tagLst>
-</file>
-
-<file path=ppt/tags/tag90.xml><?xml version="1.0" encoding="utf-8"?>
-<p:tagLst xmlns:a="http://schemas.openxmlformats.org/drawingml/2006/main" xmlns:r="http://schemas.openxmlformats.org/officeDocument/2006/relationships" xmlns:p="http://schemas.openxmlformats.org/presentationml/2006/main">
-  <p:tag name="OTLMARKERSHAPE" val="OTL"/>
-</p:tagLst>
-</file>
-
-<file path=ppt/tags/tag91.xml><?xml version="1.0" encoding="utf-8"?>
-<p:tagLst xmlns:a="http://schemas.openxmlformats.org/drawingml/2006/main" xmlns:r="http://schemas.openxmlformats.org/officeDocument/2006/relationships" xmlns:p="http://schemas.openxmlformats.org/presentationml/2006/main">
-  <p:tag name="OTLMARKERSHAPE" val="OTL"/>
-</p:tagLst>
-</file>
-
-<file path=ppt/tags/tag92.xml><?xml version="1.0" encoding="utf-8"?>
-<p:tagLst xmlns:a="http://schemas.openxmlformats.org/drawingml/2006/main" xmlns:r="http://schemas.openxmlformats.org/officeDocument/2006/relationships" xmlns:p="http://schemas.openxmlformats.org/presentationml/2006/main">
-  <p:tag name="OTLMARKERSHAPE" val="OTL"/>
-</p:tagLst>
-</file>
-
-<file path=ppt/tags/tag93.xml><?xml version="1.0" encoding="utf-8"?>
-<p:tagLst xmlns:a="http://schemas.openxmlformats.org/drawingml/2006/main" xmlns:r="http://schemas.openxmlformats.org/officeDocument/2006/relationships" xmlns:p="http://schemas.openxmlformats.org/presentationml/2006/main">
-  <p:tag name="OTLMARKERSHAPE" val="OTL"/>
-</p:tagLst>
-</file>
-
-<file path=ppt/tags/tag94.xml><?xml version="1.0" encoding="utf-8"?>
-<p:tagLst xmlns:a="http://schemas.openxmlformats.org/drawingml/2006/main" xmlns:r="http://schemas.openxmlformats.org/officeDocument/2006/relationships" xmlns:p="http://schemas.openxmlformats.org/presentationml/2006/main">
-  <p:tag name="OTLMARKERSHAPE" val="OTL"/>
-</p:tagLst>
-</file>
-
-<file path=ppt/tags/tag95.xml><?xml version="1.0" encoding="utf-8"?>
-<p:tagLst xmlns:a="http://schemas.openxmlformats.org/drawingml/2006/main" xmlns:r="http://schemas.openxmlformats.org/officeDocument/2006/relationships" xmlns:p="http://schemas.openxmlformats.org/presentationml/2006/main">
-  <p:tag name="OTLMARKERSHAPE" val="OTL"/>
-</p:tagLst>
-</file>
-
-<file path=ppt/tags/tag96.xml><?xml version="1.0" encoding="utf-8"?>
-<p:tagLst xmlns:a="http://schemas.openxmlformats.org/drawingml/2006/main" xmlns:r="http://schemas.openxmlformats.org/officeDocument/2006/relationships" xmlns:p="http://schemas.openxmlformats.org/presentationml/2006/main">
-  <p:tag name="OTLMARKERSHAPE" val="OTL"/>
-</p:tagLst>
-</file>
-
-<file path=ppt/tags/tag97.xml><?xml version="1.0" encoding="utf-8"?>
-<p:tagLst xmlns:a="http://schemas.openxmlformats.org/drawingml/2006/main" xmlns:r="http://schemas.openxmlformats.org/officeDocument/2006/relationships" xmlns:p="http://schemas.openxmlformats.org/presentationml/2006/main">
-  <p:tag name="OTLMARKERSHAPE" val="OTL"/>
-</p:tagLst>
-</file>
-
-<file path=ppt/tags/tag98.xml><?xml version="1.0" encoding="utf-8"?>
-<p:tagLst xmlns:a="http://schemas.openxmlformats.org/drawingml/2006/main" xmlns:r="http://schemas.openxmlformats.org/officeDocument/2006/relationships" xmlns:p="http://schemas.openxmlformats.org/presentationml/2006/main">
-  <p:tag name="OTLMARKERSHAPE" val="OTL"/>
-</p:tagLst>
-</file>
-
-<file path=ppt/tags/tag99.xml><?xml version="1.0" encoding="utf-8"?>
 <p:tagLst xmlns:a="http://schemas.openxmlformats.org/drawingml/2006/main" xmlns:r="http://schemas.openxmlformats.org/officeDocument/2006/relationships" xmlns:p="http://schemas.openxmlformats.org/presentationml/2006/main">
   <p:tag name="OTLMARKERSHAPE" val="OTL"/>
 </p:tagLst>
@@ -13253,7 +13067,7 @@
   <a:extraClrSchemeLst/>
   <a:extLst>
     <a:ext uri="{05A4C25C-085E-4340-85A3-A5531E510DB2}">
-      <thm15:themeFamily xmlns:thm15="http://schemas.microsoft.com/office/thememl/2012/main" xmlns="" name="Office Theme" id="{62F939B6-93AF-4DB8-9C6B-D6C7DFDC589F}" vid="{4A3C46E8-61CC-4603-A589-7422A47A8E4A}"/>
+      <thm15:themeFamily xmlns="" xmlns:thm15="http://schemas.microsoft.com/office/thememl/2012/main" name="Office Theme" id="{62F939B6-93AF-4DB8-9C6B-D6C7DFDC589F}" vid="{4A3C46E8-61CC-4603-A589-7422A47A8E4A}"/>
     </a:ext>
   </a:extLst>
 </a:theme>
